--- a/presentation/presentation.pptx
+++ b/presentation/presentation.pptx
@@ -17,13 +17,14 @@
     <p:sldId id="288" r:id="rId11"/>
     <p:sldId id="284" r:id="rId12"/>
     <p:sldId id="273" r:id="rId13"/>
-    <p:sldId id="291" r:id="rId14"/>
-    <p:sldId id="290" r:id="rId15"/>
-    <p:sldId id="289" r:id="rId16"/>
+    <p:sldId id="297" r:id="rId14"/>
+    <p:sldId id="291" r:id="rId15"/>
+    <p:sldId id="290" r:id="rId16"/>
     <p:sldId id="280" r:id="rId17"/>
-    <p:sldId id="282" r:id="rId18"/>
+    <p:sldId id="299" r:id="rId18"/>
     <p:sldId id="286" r:id="rId19"/>
-    <p:sldId id="287" r:id="rId20"/>
+    <p:sldId id="298" r:id="rId20"/>
+    <p:sldId id="287" r:id="rId21"/>
   </p:sldIdLst>
   <p:sldSz cx="9144000" cy="6858000" type="screen4x3"/>
   <p:notesSz cx="6858000" cy="9144000"/>
@@ -697,7 +698,7 @@
           <a:p>
             <a:fld id="{530820CF-B880-4189-942D-D702A7CBA730}" type="datetimeFigureOut">
               <a:rPr lang="zh-CN" altLang="en-US" smtClean="0"/>
-              <a:t>2013/12/4</a:t>
+              <a:t>2013/12/5</a:t>
             </a:fld>
             <a:endParaRPr lang="zh-CN" altLang="en-US"/>
           </a:p>
@@ -1222,7 +1223,7 @@
           <a:p>
             <a:fld id="{530820CF-B880-4189-942D-D702A7CBA730}" type="datetimeFigureOut">
               <a:rPr lang="zh-CN" altLang="en-US" smtClean="0"/>
-              <a:t>2013/12/4</a:t>
+              <a:t>2013/12/5</a:t>
             </a:fld>
             <a:endParaRPr lang="zh-CN" altLang="en-US"/>
           </a:p>
@@ -1536,7 +1537,7 @@
           <a:p>
             <a:fld id="{530820CF-B880-4189-942D-D702A7CBA730}" type="datetimeFigureOut">
               <a:rPr lang="zh-CN" altLang="en-US" smtClean="0"/>
-              <a:t>2013/12/4</a:t>
+              <a:t>2013/12/5</a:t>
             </a:fld>
             <a:endParaRPr lang="zh-CN" altLang="en-US"/>
           </a:p>
@@ -1822,7 +1823,7 @@
           <a:p>
             <a:fld id="{530820CF-B880-4189-942D-D702A7CBA730}" type="datetimeFigureOut">
               <a:rPr lang="zh-CN" altLang="en-US" smtClean="0"/>
-              <a:t>2013/12/4</a:t>
+              <a:t>2013/12/5</a:t>
             </a:fld>
             <a:endParaRPr lang="zh-CN" altLang="en-US"/>
           </a:p>
@@ -2397,7 +2398,7 @@
           <a:p>
             <a:fld id="{530820CF-B880-4189-942D-D702A7CBA730}" type="datetimeFigureOut">
               <a:rPr lang="zh-CN" altLang="en-US" smtClean="0"/>
-              <a:t>2013/12/4</a:t>
+              <a:t>2013/12/5</a:t>
             </a:fld>
             <a:endParaRPr lang="zh-CN" altLang="en-US"/>
           </a:p>
@@ -2487,7 +2488,7 @@
           <a:p>
             <a:fld id="{530820CF-B880-4189-942D-D702A7CBA730}" type="datetimeFigureOut">
               <a:rPr lang="zh-CN" altLang="en-US" smtClean="0"/>
-              <a:t>2013/12/4</a:t>
+              <a:t>2013/12/5</a:t>
             </a:fld>
             <a:endParaRPr lang="zh-CN" altLang="en-US"/>
           </a:p>
@@ -3196,7 +3197,7 @@
           <a:p>
             <a:fld id="{530820CF-B880-4189-942D-D702A7CBA730}" type="datetimeFigureOut">
               <a:rPr lang="zh-CN" altLang="en-US" smtClean="0"/>
-              <a:t>2013/12/4</a:t>
+              <a:t>2013/12/5</a:t>
             </a:fld>
             <a:endParaRPr lang="zh-CN" altLang="en-US"/>
           </a:p>
@@ -3448,7 +3449,7 @@
           <a:p>
             <a:fld id="{530820CF-B880-4189-942D-D702A7CBA730}" type="datetimeFigureOut">
               <a:rPr lang="zh-CN" altLang="en-US" smtClean="0"/>
-              <a:t>2013/12/4</a:t>
+              <a:t>2013/12/5</a:t>
             </a:fld>
             <a:endParaRPr lang="zh-CN" altLang="en-US"/>
           </a:p>
@@ -3677,7 +3678,7 @@
           <a:p>
             <a:fld id="{530820CF-B880-4189-942D-D702A7CBA730}" type="datetimeFigureOut">
               <a:rPr lang="zh-CN" altLang="en-US" smtClean="0"/>
-              <a:t>2013/12/4</a:t>
+              <a:t>2013/12/5</a:t>
             </a:fld>
             <a:endParaRPr lang="zh-CN" altLang="en-US"/>
           </a:p>
@@ -3951,7 +3952,7 @@
           <a:p>
             <a:fld id="{530820CF-B880-4189-942D-D702A7CBA730}" type="datetimeFigureOut">
               <a:rPr lang="zh-CN" altLang="en-US" smtClean="0"/>
-              <a:t>2013/12/4</a:t>
+              <a:t>2013/12/5</a:t>
             </a:fld>
             <a:endParaRPr lang="zh-CN" altLang="en-US"/>
           </a:p>
@@ -4237,7 +4238,7 @@
           <a:p>
             <a:fld id="{530820CF-B880-4189-942D-D702A7CBA730}" type="datetimeFigureOut">
               <a:rPr lang="zh-CN" altLang="en-US" smtClean="0"/>
-              <a:t>2013/12/4</a:t>
+              <a:t>2013/12/5</a:t>
             </a:fld>
             <a:endParaRPr lang="zh-CN" altLang="en-US"/>
           </a:p>
@@ -4505,7 +4506,7 @@
           <a:p>
             <a:fld id="{530820CF-B880-4189-942D-D702A7CBA730}" type="datetimeFigureOut">
               <a:rPr lang="zh-CN" altLang="en-US" smtClean="0"/>
-              <a:t>2013/12/4</a:t>
+              <a:t>2013/12/5</a:t>
             </a:fld>
             <a:endParaRPr lang="zh-CN" altLang="en-US"/>
           </a:p>
@@ -5272,19 +5273,7 @@
             </a:r>
             <a:r>
               <a:rPr lang="en-US" altLang="zh-CN" dirty="0" smtClean="0"/>
-              <a:t>search</a:t>
-            </a:r>
-            <a:r>
-              <a:rPr lang="en-US" altLang="zh-CN" dirty="0" smtClean="0"/>
-              <a:t> for clothes</a:t>
-            </a:r>
-            <a:r>
-              <a:rPr lang="en-US" altLang="zh-CN" dirty="0" smtClean="0"/>
-              <a:t>. </a:t>
-            </a:r>
-            <a:r>
-              <a:rPr lang="en-US" altLang="zh-CN" dirty="0" smtClean="0"/>
-              <a:t>With </a:t>
+              <a:t>search for clothes. With </a:t>
             </a:r>
             <a:r>
               <a:rPr lang="en-US" altLang="zh-CN" dirty="0"/>
@@ -5292,11 +5281,7 @@
             </a:r>
             <a:r>
               <a:rPr lang="en-US" altLang="zh-CN" dirty="0" smtClean="0"/>
-              <a:t>can</a:t>
-            </a:r>
-            <a:r>
-              <a:rPr lang="en-US" altLang="zh-CN" dirty="0" smtClean="0"/>
-              <a:t> </a:t>
+              <a:t>can </a:t>
             </a:r>
             <a:r>
               <a:rPr lang="en-US" altLang="zh-CN" dirty="0"/>
@@ -5304,15 +5289,7 @@
             </a:r>
             <a:r>
               <a:rPr lang="en-US" altLang="zh-CN" dirty="0" smtClean="0"/>
-              <a:t>photo that can be compared with our database to</a:t>
-            </a:r>
-            <a:r>
-              <a:rPr lang="en-US" altLang="zh-CN" dirty="0" smtClean="0"/>
-              <a:t> </a:t>
-            </a:r>
-            <a:r>
-              <a:rPr lang="en-US" altLang="zh-CN" dirty="0" smtClean="0"/>
-              <a:t>find matching </a:t>
+              <a:t>photo that can be compared with our database to find matching </a:t>
             </a:r>
             <a:r>
               <a:rPr lang="en-US" altLang="zh-CN" smtClean="0"/>
@@ -5343,11 +5320,7 @@
           <a:p>
             <a:r>
               <a:rPr lang="en-US" altLang="zh-CN" dirty="0"/>
-              <a:t>Our </a:t>
-            </a:r>
-            <a:r>
-              <a:rPr lang="en-US" altLang="zh-CN" dirty="0"/>
-              <a:t>S</a:t>
+              <a:t>Our S</a:t>
             </a:r>
             <a:r>
               <a:rPr lang="en-US" altLang="zh-CN" dirty="0" smtClean="0"/>
@@ -5474,12 +5447,12 @@
       </p:grpSpPr>
       <p:sp>
         <p:nvSpPr>
-          <p:cNvPr id="2" name="内容占位符 1"/>
-          <p:cNvSpPr>
-            <a:spLocks noGrp="1"/>
-          </p:cNvSpPr>
-          <p:nvPr>
-            <p:ph idx="1"/>
+          <p:cNvPr id="3" name="标题 2"/>
+          <p:cNvSpPr>
+            <a:spLocks noGrp="1"/>
+          </p:cNvSpPr>
+          <p:nvPr>
+            <p:ph type="title"/>
           </p:nvPr>
         </p:nvSpPr>
         <p:spPr/>
@@ -5487,21 +5460,22 @@
           <a:bodyPr/>
           <a:lstStyle/>
           <a:p>
-            <a:pPr marL="0" indent="0">
-              <a:buNone/>
-            </a:pPr>
+            <a:r>
+              <a:rPr lang="en-US" dirty="0" smtClean="0"/>
+              <a:t>Prototype Iterations</a:t>
+            </a:r>
             <a:endParaRPr lang="en-US" dirty="0"/>
           </a:p>
         </p:txBody>
       </p:sp>
       <p:sp>
         <p:nvSpPr>
-          <p:cNvPr id="3" name="标题 2"/>
-          <p:cNvSpPr>
-            <a:spLocks noGrp="1"/>
-          </p:cNvSpPr>
-          <p:nvPr>
-            <p:ph type="title"/>
+          <p:cNvPr id="4" name="Text Placeholder 3"/>
+          <p:cNvSpPr>
+            <a:spLocks noGrp="1"/>
+          </p:cNvSpPr>
+          <p:nvPr>
+            <p:ph type="body" idx="1"/>
           </p:nvPr>
         </p:nvSpPr>
         <p:spPr/>
@@ -5509,11 +5483,7 @@
           <a:bodyPr/>
           <a:lstStyle/>
           <a:p>
-            <a:r>
-              <a:rPr lang="en-US" dirty="0" smtClean="0"/>
-              <a:t>Prototyping</a:t>
-            </a:r>
-            <a:endParaRPr lang="en-US" dirty="0"/>
+            <a:endParaRPr lang="en-US"/>
           </a:p>
         </p:txBody>
       </p:sp>
@@ -5556,6 +5526,84 @@
       </p:grpSpPr>
       <p:sp>
         <p:nvSpPr>
+          <p:cNvPr id="2" name="Content Placeholder 1"/>
+          <p:cNvSpPr>
+            <a:spLocks noGrp="1"/>
+          </p:cNvSpPr>
+          <p:nvPr>
+            <p:ph idx="1"/>
+          </p:nvPr>
+        </p:nvSpPr>
+        <p:spPr/>
+        <p:txBody>
+          <a:bodyPr/>
+          <a:lstStyle/>
+          <a:p>
+            <a:r>
+              <a:rPr lang="en-US" dirty="0">
+                <a:hlinkClick r:id="rId2"/>
+              </a:rPr>
+              <a:t>https://sites.google.com/site/hcivista/prototypes/prototype-iteration</a:t>
+            </a:r>
+            <a:endParaRPr lang="en-US" dirty="0"/>
+          </a:p>
+        </p:txBody>
+      </p:sp>
+      <p:sp>
+        <p:nvSpPr>
+          <p:cNvPr id="3" name="Title 2"/>
+          <p:cNvSpPr>
+            <a:spLocks noGrp="1"/>
+          </p:cNvSpPr>
+          <p:nvPr>
+            <p:ph type="title"/>
+          </p:nvPr>
+        </p:nvSpPr>
+        <p:spPr/>
+        <p:txBody>
+          <a:bodyPr/>
+          <a:lstStyle/>
+          <a:p>
+            <a:r>
+              <a:rPr lang="en-US" dirty="0" smtClean="0"/>
+              <a:t>Demo on our webpage</a:t>
+            </a:r>
+            <a:endParaRPr lang="en-US" dirty="0"/>
+          </a:p>
+        </p:txBody>
+      </p:sp>
+    </p:spTree>
+    <p:extLst>
+      <p:ext uri="{BB962C8B-B14F-4D97-AF65-F5344CB8AC3E}">
+        <p14:creationId xmlns:p14="http://schemas.microsoft.com/office/powerpoint/2010/main" val="2272062643"/>
+      </p:ext>
+    </p:extLst>
+  </p:cSld>
+  <p:clrMapOvr>
+    <a:masterClrMapping/>
+  </p:clrMapOvr>
+</p:sld>
+</file>
+
+<file path=ppt/slides/slide14.xml><?xml version="1.0" encoding="utf-8"?>
+<p:sld xmlns:a="http://schemas.openxmlformats.org/drawingml/2006/main" xmlns:r="http://schemas.openxmlformats.org/officeDocument/2006/relationships" xmlns:p="http://schemas.openxmlformats.org/presentationml/2006/main">
+  <p:cSld>
+    <p:spTree>
+      <p:nvGrpSpPr>
+        <p:cNvPr id="1" name=""/>
+        <p:cNvGrpSpPr/>
+        <p:nvPr/>
+      </p:nvGrpSpPr>
+      <p:grpSpPr>
+        <a:xfrm>
+          <a:off x="0" y="0"/>
+          <a:ext cx="0" cy="0"/>
+          <a:chOff x="0" y="0"/>
+          <a:chExt cx="0" cy="0"/>
+        </a:xfrm>
+      </p:grpSpPr>
+      <p:sp>
+        <p:nvSpPr>
           <p:cNvPr id="2" name="内容占位符 1"/>
           <p:cNvSpPr>
             <a:spLocks noGrp="1"/>
@@ -5588,7 +5636,11 @@
           <a:bodyPr/>
           <a:lstStyle/>
           <a:p>
-            <a:endParaRPr lang="en-US"/>
+            <a:r>
+              <a:rPr lang="en-US" dirty="0" smtClean="0"/>
+              <a:t>Paper Prototype</a:t>
+            </a:r>
+            <a:endParaRPr lang="en-US" dirty="0"/>
           </a:p>
         </p:txBody>
       </p:sp>
@@ -5735,7 +5787,7 @@
 </p:sld>
 </file>
 
-<file path=ppt/slides/slide14.xml><?xml version="1.0" encoding="utf-8"?>
+<file path=ppt/slides/slide15.xml><?xml version="1.0" encoding="utf-8"?>
 <p:sld xmlns:a="http://schemas.openxmlformats.org/drawingml/2006/main" xmlns:r="http://schemas.openxmlformats.org/officeDocument/2006/relationships" xmlns:p="http://schemas.openxmlformats.org/presentationml/2006/main">
   <p:cSld>
     <p:spTree>
@@ -5773,29 +5825,30 @@
           <a:lstStyle/>
           <a:p>
             <a:r>
+              <a:rPr lang="en-US" dirty="0" smtClean="0"/>
+              <a:t>Picture from URL, Camera, or Gallery</a:t>
+            </a:r>
+          </a:p>
+          <a:p>
+            <a:r>
+              <a:rPr lang="en-US" dirty="0" err="1" smtClean="0"/>
+              <a:t>OpenCV</a:t>
+            </a:r>
+            <a:r>
+              <a:rPr lang="en-US" dirty="0" smtClean="0"/>
+              <a:t> Integration </a:t>
+            </a:r>
+          </a:p>
+          <a:p>
+            <a:r>
               <a:rPr lang="en-US" dirty="0"/>
-              <a:t>Use the built-in camera app to take a </a:t>
+              <a:t>Server </a:t>
             </a:r>
             <a:r>
               <a:rPr lang="en-US" dirty="0" smtClean="0"/>
-              <a:t>picture.</a:t>
-            </a:r>
-          </a:p>
-          <a:p>
-            <a:r>
-              <a:rPr lang="en-US" dirty="0"/>
-              <a:t>Send the picture to the </a:t>
-            </a:r>
-            <a:r>
-              <a:rPr lang="en-US" dirty="0" smtClean="0"/>
-              <a:t>server.</a:t>
-            </a:r>
-          </a:p>
-          <a:p>
-            <a:r>
-              <a:rPr lang="en-US" dirty="0"/>
-              <a:t>Accept an image URL and download the image from the given URL.</a:t>
-            </a:r>
+              <a:t>Integration </a:t>
+            </a:r>
+            <a:endParaRPr lang="en-US" dirty="0"/>
           </a:p>
         </p:txBody>
       </p:sp>
@@ -5815,8 +5868,12 @@
           <a:lstStyle/>
           <a:p>
             <a:r>
+              <a:rPr lang="en-US" b="1" dirty="0" smtClean="0"/>
+              <a:t>Prototype </a:t>
+            </a:r>
+            <a:r>
               <a:rPr lang="en-US" b="1" dirty="0"/>
-              <a:t>Working prototype 1.0 </a:t>
+              <a:t>1.0 </a:t>
             </a:r>
             <a:endParaRPr lang="en-US" dirty="0"/>
           </a:p>
@@ -5863,127 +5920,64 @@
           </a:extLst>
         </p:spPr>
       </p:pic>
+      <p:pic>
+        <p:nvPicPr>
+          <p:cNvPr id="1026" name="Picture 2"/>
+          <p:cNvPicPr>
+            <a:picLocks noChangeAspect="1" noChangeArrowheads="1"/>
+          </p:cNvPicPr>
+          <p:nvPr/>
+        </p:nvPicPr>
+        <p:blipFill>
+          <a:blip r:embed="rId3">
+            <a:extLst>
+              <a:ext uri="{28A0092B-C50C-407E-A947-70E740481C1C}">
+                <a14:useLocalDpi xmlns:a14="http://schemas.microsoft.com/office/drawing/2010/main" val="0"/>
+              </a:ext>
+            </a:extLst>
+          </a:blip>
+          <a:srcRect/>
+          <a:stretch>
+            <a:fillRect/>
+          </a:stretch>
+        </p:blipFill>
+        <p:spPr bwMode="auto">
+          <a:xfrm>
+            <a:off x="323528" y="4653136"/>
+            <a:ext cx="5616624" cy="974399"/>
+          </a:xfrm>
+          <a:prstGeom prst="rect">
+            <a:avLst/>
+          </a:prstGeom>
+          <a:noFill/>
+          <a:ln>
+            <a:noFill/>
+          </a:ln>
+          <a:extLst>
+            <a:ext uri="{909E8E84-426E-40DD-AFC4-6F175D3DCCD1}">
+              <a14:hiddenFill xmlns:a14="http://schemas.microsoft.com/office/drawing/2010/main">
+                <a:solidFill>
+                  <a:schemeClr val="accent1"/>
+                </a:solidFill>
+              </a14:hiddenFill>
+            </a:ext>
+            <a:ext uri="{91240B29-F687-4F45-9708-019B960494DF}">
+              <a14:hiddenLine xmlns:a14="http://schemas.microsoft.com/office/drawing/2010/main" w="9525">
+                <a:solidFill>
+                  <a:schemeClr val="tx1"/>
+                </a:solidFill>
+                <a:miter lim="800000"/>
+                <a:headEnd/>
+                <a:tailEnd/>
+              </a14:hiddenLine>
+            </a:ext>
+          </a:extLst>
+        </p:spPr>
+      </p:pic>
     </p:spTree>
     <p:extLst>
       <p:ext uri="{BB962C8B-B14F-4D97-AF65-F5344CB8AC3E}">
         <p14:creationId xmlns:p14="http://schemas.microsoft.com/office/powerpoint/2010/main" val="208219241"/>
-      </p:ext>
-    </p:extLst>
-  </p:cSld>
-  <p:clrMapOvr>
-    <a:masterClrMapping/>
-  </p:clrMapOvr>
-  <p:timing>
-    <p:tnLst>
-      <p:par>
-        <p:cTn id="1" dur="indefinite" restart="never" nodeType="tmRoot"/>
-      </p:par>
-    </p:tnLst>
-  </p:timing>
-</p:sld>
-</file>
-
-<file path=ppt/slides/slide15.xml><?xml version="1.0" encoding="utf-8"?>
-<p:sld xmlns:a="http://schemas.openxmlformats.org/drawingml/2006/main" xmlns:r="http://schemas.openxmlformats.org/officeDocument/2006/relationships" xmlns:p="http://schemas.openxmlformats.org/presentationml/2006/main">
-  <p:cSld>
-    <p:spTree>
-      <p:nvGrpSpPr>
-        <p:cNvPr id="1" name=""/>
-        <p:cNvGrpSpPr/>
-        <p:nvPr/>
-      </p:nvGrpSpPr>
-      <p:grpSpPr>
-        <a:xfrm>
-          <a:off x="0" y="0"/>
-          <a:ext cx="0" cy="0"/>
-          <a:chOff x="0" y="0"/>
-          <a:chExt cx="0" cy="0"/>
-        </a:xfrm>
-      </p:grpSpPr>
-      <p:sp>
-        <p:nvSpPr>
-          <p:cNvPr id="2" name="内容占位符 1"/>
-          <p:cNvSpPr>
-            <a:spLocks noGrp="1"/>
-          </p:cNvSpPr>
-          <p:nvPr>
-            <p:ph idx="1"/>
-          </p:nvPr>
-        </p:nvSpPr>
-        <p:spPr/>
-        <p:txBody>
-          <a:bodyPr/>
-          <a:lstStyle/>
-          <a:p>
-            <a:r>
-              <a:rPr lang="en-US" dirty="0" smtClean="0"/>
-              <a:t>We </a:t>
-            </a:r>
-            <a:r>
-              <a:rPr lang="en-US" dirty="0"/>
-              <a:t>add the </a:t>
-            </a:r>
-            <a:r>
-              <a:rPr lang="en-US" dirty="0" err="1"/>
-              <a:t>OpenCV</a:t>
-            </a:r>
-            <a:r>
-              <a:rPr lang="en-US" dirty="0"/>
-              <a:t> to the app</a:t>
-            </a:r>
-            <a:r>
-              <a:rPr lang="en-US" dirty="0" smtClean="0"/>
-              <a:t>.</a:t>
-            </a:r>
-          </a:p>
-          <a:p>
-            <a:r>
-              <a:rPr lang="en-US" dirty="0"/>
-              <a:t>Now we can select pictures as input from our gallery</a:t>
-            </a:r>
-            <a:r>
-              <a:rPr lang="en-US" dirty="0" smtClean="0"/>
-              <a:t>.</a:t>
-            </a:r>
-          </a:p>
-          <a:p>
-            <a:r>
-              <a:rPr lang="en-US" dirty="0"/>
-              <a:t>User click on the screen, then a bounding box will appear.</a:t>
-            </a:r>
-          </a:p>
-          <a:p>
-            <a:endParaRPr lang="en-US" dirty="0"/>
-          </a:p>
-        </p:txBody>
-      </p:sp>
-      <p:sp>
-        <p:nvSpPr>
-          <p:cNvPr id="3" name="标题 2"/>
-          <p:cNvSpPr>
-            <a:spLocks noGrp="1"/>
-          </p:cNvSpPr>
-          <p:nvPr>
-            <p:ph type="title"/>
-          </p:nvPr>
-        </p:nvSpPr>
-        <p:spPr/>
-        <p:txBody>
-          <a:bodyPr/>
-          <a:lstStyle/>
-          <a:p>
-            <a:r>
-              <a:rPr lang="en-US" b="1" dirty="0"/>
-              <a:t>Working prototypes 1.1</a:t>
-            </a:r>
-            <a:endParaRPr lang="en-US" dirty="0"/>
-          </a:p>
-        </p:txBody>
-      </p:sp>
-    </p:spTree>
-    <p:extLst>
-      <p:ext uri="{BB962C8B-B14F-4D97-AF65-F5344CB8AC3E}">
-        <p14:creationId xmlns:p14="http://schemas.microsoft.com/office/powerpoint/2010/main" val="2344611402"/>
       </p:ext>
     </p:extLst>
   </p:cSld>
@@ -6030,7 +6024,7 @@
         <p:spPr>
           <a:xfrm>
             <a:off x="699247" y="2248347"/>
-            <a:ext cx="5528937" cy="3877815"/>
+            <a:ext cx="7401145" cy="3877815"/>
           </a:xfrm>
         </p:spPr>
         <p:txBody>
@@ -6041,25 +6035,38 @@
               <a:buNone/>
             </a:pPr>
             <a:r>
+              <a:rPr lang="en-US" dirty="0" smtClean="0"/>
+              <a:t>User selects bounding box by</a:t>
+            </a:r>
+          </a:p>
+          <a:p>
+            <a:pPr marL="0" indent="0">
+              <a:buNone/>
+            </a:pPr>
+            <a:r>
+              <a:rPr lang="en-US" dirty="0" smtClean="0"/>
+              <a:t>  - Clicking on two points.</a:t>
+            </a:r>
+          </a:p>
+          <a:p>
+            <a:pPr marL="0" indent="0">
+              <a:buNone/>
+            </a:pPr>
+            <a:r>
               <a:rPr lang="en-US" dirty="0"/>
-              <a:t>We add the bounding box into android app. Currently, you can select an interested area by clicking </a:t>
+              <a:t> </a:t>
             </a:r>
             <a:r>
               <a:rPr lang="en-US" dirty="0" smtClean="0"/>
-              <a:t>the top left corner </a:t>
-            </a:r>
-            <a:r>
-              <a:rPr lang="en-US" dirty="0"/>
-              <a:t>and the </a:t>
-            </a:r>
-            <a:r>
-              <a:rPr lang="en-US" dirty="0" smtClean="0"/>
-              <a:t>bottom right </a:t>
-            </a:r>
-            <a:r>
-              <a:rPr lang="en-US" dirty="0"/>
-              <a:t>corner of an area.</a:t>
-            </a:r>
+              <a:t> - Dragging finger on screen.</a:t>
+            </a:r>
+            <a:endParaRPr lang="en-US" dirty="0" smtClean="0"/>
+          </a:p>
+          <a:p>
+            <a:pPr marL="0" indent="0">
+              <a:buNone/>
+            </a:pPr>
+            <a:endParaRPr lang="en-US" dirty="0"/>
           </a:p>
         </p:txBody>
       </p:sp>
@@ -6079,8 +6086,12 @@
           <a:lstStyle/>
           <a:p>
             <a:r>
+              <a:rPr lang="en-US" b="1" dirty="0" smtClean="0"/>
+              <a:t>Prototypes </a:t>
+            </a:r>
+            <a:r>
               <a:rPr lang="en-US" b="1" dirty="0"/>
-              <a:t>Working prototypes 2.0</a:t>
+              <a:t>2.0</a:t>
             </a:r>
             <a:endParaRPr lang="en-US" dirty="0"/>
           </a:p>
@@ -6109,8 +6120,49 @@
         </p:blipFill>
         <p:spPr bwMode="auto">
           <a:xfrm>
-            <a:off x="6431846" y="2060848"/>
-            <a:ext cx="2532641" cy="4824536"/>
+            <a:off x="2771800" y="3854801"/>
+            <a:ext cx="1338664" cy="2550080"/>
+          </a:xfrm>
+          <a:prstGeom prst="rect">
+            <a:avLst/>
+          </a:prstGeom>
+          <a:noFill/>
+          <a:extLst>
+            <a:ext uri="{909E8E84-426E-40DD-AFC4-6F175D3DCCD1}">
+              <a14:hiddenFill xmlns:a14="http://schemas.microsoft.com/office/drawing/2010/main">
+                <a:solidFill>
+                  <a:srgbClr val="FFFFFF"/>
+                </a:solidFill>
+              </a14:hiddenFill>
+            </a:ext>
+          </a:extLst>
+        </p:spPr>
+      </p:pic>
+      <p:pic>
+        <p:nvPicPr>
+          <p:cNvPr id="5" name="Picture 5" descr="C:\Users\admin\Desktop\QQ截图20131202155122.png"/>
+          <p:cNvPicPr>
+            <a:picLocks noChangeAspect="1" noChangeArrowheads="1"/>
+          </p:cNvPicPr>
+          <p:nvPr/>
+        </p:nvPicPr>
+        <p:blipFill>
+          <a:blip r:embed="rId3">
+            <a:extLst>
+              <a:ext uri="{28A0092B-C50C-407E-A947-70E740481C1C}">
+                <a14:useLocalDpi xmlns:a14="http://schemas.microsoft.com/office/drawing/2010/main" val="0"/>
+              </a:ext>
+            </a:extLst>
+          </a:blip>
+          <a:srcRect/>
+          <a:stretch>
+            <a:fillRect/>
+          </a:stretch>
+        </p:blipFill>
+        <p:spPr bwMode="auto">
+          <a:xfrm>
+            <a:off x="4427984" y="3854801"/>
+            <a:ext cx="1900582" cy="2550080"/>
           </a:xfrm>
           <a:prstGeom prst="rect">
             <a:avLst/>
@@ -6174,12 +6226,7 @@
             <p:ph idx="1"/>
           </p:nvPr>
         </p:nvSpPr>
-        <p:spPr>
-          <a:xfrm>
-            <a:off x="699247" y="2248347"/>
-            <a:ext cx="4808857" cy="3877815"/>
-          </a:xfrm>
-        </p:spPr>
+        <p:spPr/>
         <p:txBody>
           <a:bodyPr/>
           <a:lstStyle/>
@@ -6189,22 +6236,22 @@
             </a:pPr>
             <a:r>
               <a:rPr lang="en-US" dirty="0" smtClean="0"/>
-              <a:t>Currently</a:t>
+              <a:t>Edit and Delete bounding box </a:t>
             </a:r>
             <a:r>
               <a:rPr lang="en-US" dirty="0"/>
-              <a:t>, we can select part of the image by </a:t>
+              <a:t>with </a:t>
             </a:r>
             <a:r>
               <a:rPr lang="en-US" dirty="0" smtClean="0"/>
-              <a:t>consecutive </a:t>
-            </a:r>
-            <a:r>
-              <a:rPr lang="en-US" dirty="0"/>
-              <a:t>clicks or drag on the screen.</a:t>
-            </a:r>
-          </a:p>
-          <a:p>
+              <a:t>gestures.</a:t>
+            </a:r>
+            <a:endParaRPr lang="en-US" dirty="0" smtClean="0"/>
+          </a:p>
+          <a:p>
+            <a:pPr marL="0" indent="0">
+              <a:buNone/>
+            </a:pPr>
             <a:endParaRPr lang="en-US" dirty="0"/>
           </a:p>
         </p:txBody>
@@ -6225,12 +6272,8 @@
           <a:lstStyle/>
           <a:p>
             <a:r>
-              <a:rPr lang="en-US" b="1" dirty="0"/>
-              <a:t>Working prototypes </a:t>
-            </a:r>
-            <a:r>
               <a:rPr lang="en-US" b="1" dirty="0" smtClean="0"/>
-              <a:t>2.1</a:t>
+              <a:t>Prototypes 2.1</a:t>
             </a:r>
             <a:endParaRPr lang="en-US" dirty="0"/>
           </a:p>
@@ -6238,7 +6281,7 @@
       </p:sp>
       <p:pic>
         <p:nvPicPr>
-          <p:cNvPr id="4" name="Picture 5" descr="C:\Users\admin\Desktop\QQ截图20131202155122.png"/>
+          <p:cNvPr id="2051" name="Picture 3" descr="C:\Users\admin\Desktop\Capture.PNG"/>
           <p:cNvPicPr>
             <a:picLocks noChangeAspect="1" noChangeArrowheads="1"/>
           </p:cNvPicPr>
@@ -6259,8 +6302,49 @@
         </p:blipFill>
         <p:spPr bwMode="auto">
           <a:xfrm>
-            <a:off x="5508104" y="2060848"/>
-            <a:ext cx="3569977" cy="4789969"/>
+            <a:off x="2771800" y="3068960"/>
+            <a:ext cx="1338664" cy="2550080"/>
+          </a:xfrm>
+          <a:prstGeom prst="rect">
+            <a:avLst/>
+          </a:prstGeom>
+          <a:noFill/>
+          <a:extLst>
+            <a:ext uri="{909E8E84-426E-40DD-AFC4-6F175D3DCCD1}">
+              <a14:hiddenFill xmlns:a14="http://schemas.microsoft.com/office/drawing/2010/main">
+                <a:solidFill>
+                  <a:srgbClr val="FFFFFF"/>
+                </a:solidFill>
+              </a14:hiddenFill>
+            </a:ext>
+          </a:extLst>
+        </p:spPr>
+      </p:pic>
+      <p:pic>
+        <p:nvPicPr>
+          <p:cNvPr id="5" name="Picture 5" descr="C:\Users\admin\Desktop\QQ截图20131202155122.png"/>
+          <p:cNvPicPr>
+            <a:picLocks noChangeAspect="1" noChangeArrowheads="1"/>
+          </p:cNvPicPr>
+          <p:nvPr/>
+        </p:nvPicPr>
+        <p:blipFill>
+          <a:blip r:embed="rId3">
+            <a:extLst>
+              <a:ext uri="{28A0092B-C50C-407E-A947-70E740481C1C}">
+                <a14:useLocalDpi xmlns:a14="http://schemas.microsoft.com/office/drawing/2010/main" val="0"/>
+              </a:ext>
+            </a:extLst>
+          </a:blip>
+          <a:srcRect/>
+          <a:stretch>
+            <a:fillRect/>
+          </a:stretch>
+        </p:blipFill>
+        <p:spPr bwMode="auto">
+          <a:xfrm>
+            <a:off x="4427984" y="3068960"/>
+            <a:ext cx="1900582" cy="2550080"/>
           </a:xfrm>
           <a:prstGeom prst="rect">
             <a:avLst/>
@@ -6280,7 +6364,7 @@
     </p:spTree>
     <p:extLst>
       <p:ext uri="{BB962C8B-B14F-4D97-AF65-F5344CB8AC3E}">
-        <p14:creationId xmlns:p14="http://schemas.microsoft.com/office/powerpoint/2010/main" val="1127797805"/>
+        <p14:creationId xmlns:p14="http://schemas.microsoft.com/office/powerpoint/2010/main" val="859368056"/>
       </p:ext>
     </p:extLst>
   </p:cSld>
@@ -6337,30 +6421,8 @@
           <a:lstStyle/>
           <a:p>
             <a:r>
-              <a:rPr lang="en-US" dirty="0"/>
-              <a:t>Add the bounding box selection into the app. </a:t>
-            </a:r>
-            <a:r>
               <a:rPr lang="en-US" dirty="0" smtClean="0"/>
-              <a:t>We can double click on the bounding box to select one and move it.</a:t>
-            </a:r>
-          </a:p>
-          <a:p>
-            <a:r>
-              <a:rPr lang="en-US" dirty="0"/>
-              <a:t>T</a:t>
-            </a:r>
-            <a:r>
-              <a:rPr lang="en-US" dirty="0" smtClean="0"/>
-              <a:t>est </a:t>
-            </a:r>
-            <a:r>
-              <a:rPr lang="en-US" dirty="0"/>
-              <a:t>the communication between the server and the </a:t>
-            </a:r>
-            <a:r>
-              <a:rPr lang="en-US" dirty="0" smtClean="0"/>
-              <a:t>app.</a:t>
+              <a:t>Server integration</a:t>
             </a:r>
             <a:endParaRPr lang="en-US" dirty="0"/>
           </a:p>
@@ -6382,8 +6444,12 @@
           <a:lstStyle/>
           <a:p>
             <a:r>
-              <a:rPr lang="en-US" b="1" dirty="0"/>
-              <a:t>Working prototypes </a:t>
+              <a:rPr lang="en-US" b="1" dirty="0" smtClean="0"/>
+              <a:t>P</a:t>
+            </a:r>
+            <a:r>
+              <a:rPr lang="en-US" b="1" dirty="0" smtClean="0"/>
+              <a:t>rototype </a:t>
             </a:r>
             <a:r>
               <a:rPr lang="en-US" b="1" dirty="0" smtClean="0"/>
@@ -6473,7 +6539,7 @@
       </p:grpSpPr>
       <p:sp>
         <p:nvSpPr>
-          <p:cNvPr id="2" name="内容占位符 1"/>
+          <p:cNvPr id="2" name="Content Placeholder 1"/>
           <p:cNvSpPr>
             <a:spLocks noGrp="1"/>
           </p:cNvSpPr>
@@ -6486,13 +6552,19 @@
           <a:bodyPr/>
           <a:lstStyle/>
           <a:p>
-            <a:endParaRPr lang="en-US"/>
-          </a:p>
-        </p:txBody>
-      </p:sp>
-      <p:sp>
-        <p:nvSpPr>
-          <p:cNvPr id="3" name="标题 2"/>
+            <a:r>
+              <a:rPr lang="en-US" dirty="0">
+                <a:hlinkClick r:id="rId2"/>
+              </a:rPr>
+              <a:t>https://sites.google.com/site/hcivista/prototypes/prototype-iteration</a:t>
+            </a:r>
+            <a:endParaRPr lang="en-US" dirty="0"/>
+          </a:p>
+        </p:txBody>
+      </p:sp>
+      <p:sp>
+        <p:nvSpPr>
+          <p:cNvPr id="3" name="Title 2"/>
           <p:cNvSpPr>
             <a:spLocks noGrp="1"/>
           </p:cNvSpPr>
@@ -6505,27 +6577,24 @@
           <a:bodyPr/>
           <a:lstStyle/>
           <a:p>
-            <a:endParaRPr lang="en-US"/>
+            <a:r>
+              <a:rPr lang="en-US" dirty="0" smtClean="0"/>
+              <a:t>Iteration Demo</a:t>
+            </a:r>
+            <a:endParaRPr lang="en-US" dirty="0"/>
           </a:p>
         </p:txBody>
       </p:sp>
     </p:spTree>
     <p:extLst>
       <p:ext uri="{BB962C8B-B14F-4D97-AF65-F5344CB8AC3E}">
-        <p14:creationId xmlns:p14="http://schemas.microsoft.com/office/powerpoint/2010/main" val="4104815046"/>
+        <p14:creationId xmlns:p14="http://schemas.microsoft.com/office/powerpoint/2010/main" val="422386742"/>
       </p:ext>
     </p:extLst>
   </p:cSld>
   <p:clrMapOvr>
     <a:masterClrMapping/>
   </p:clrMapOvr>
-  <p:timing>
-    <p:tnLst>
-      <p:par>
-        <p:cTn id="1" dur="indefinite" restart="never" nodeType="tmRoot"/>
-      </p:par>
-    </p:tnLst>
-  </p:timing>
 </p:sld>
 </file>
 
@@ -6604,23 +6673,7 @@
             </a:r>
             <a:r>
               <a:rPr lang="en-US" altLang="zh-CN" dirty="0" smtClean="0"/>
-              <a:t> James one day and you found that he is wearing a nice shirt, and you want to get it. How can you find it </a:t>
-            </a:r>
-            <a:r>
-              <a:rPr lang="en-US" altLang="zh-CN" dirty="0" smtClean="0"/>
-              <a:t>online? Take </a:t>
-            </a:r>
-            <a:r>
-              <a:rPr lang="en-US" altLang="zh-CN" dirty="0" smtClean="0"/>
-              <a:t>a </a:t>
-            </a:r>
-            <a:r>
-              <a:rPr lang="en-US" altLang="zh-CN" dirty="0" smtClean="0"/>
-              <a:t>picture of him </a:t>
-            </a:r>
-            <a:r>
-              <a:rPr lang="en-US" altLang="zh-CN" dirty="0" smtClean="0"/>
-              <a:t>and search the shirt using VISTA. VISTA can provide you online shopping information of clothes that you searched by taking a picture of it.</a:t>
+              <a:t> James one day and you found that he is wearing a nice shirt, and you want to get it. How can you find it online? Take a picture of him and search the shirt using VISTA. VISTA can provide you online shopping information of clothes that you searched by taking a picture of it.</a:t>
             </a:r>
             <a:endParaRPr lang="zh-CN" altLang="en-US" dirty="0"/>
           </a:p>
@@ -6671,6 +6724,81 @@
     <p:extLst>
       <p:ext uri="{BB962C8B-B14F-4D97-AF65-F5344CB8AC3E}">
         <p14:creationId xmlns:p14="http://schemas.microsoft.com/office/powerpoint/2010/main" val="3792585124"/>
+      </p:ext>
+    </p:extLst>
+  </p:cSld>
+  <p:clrMapOvr>
+    <a:masterClrMapping/>
+  </p:clrMapOvr>
+  <p:timing>
+    <p:tnLst>
+      <p:par>
+        <p:cTn id="1" dur="indefinite" restart="never" nodeType="tmRoot"/>
+      </p:par>
+    </p:tnLst>
+  </p:timing>
+</p:sld>
+</file>
+
+<file path=ppt/slides/slide20.xml><?xml version="1.0" encoding="utf-8"?>
+<p:sld xmlns:a="http://schemas.openxmlformats.org/drawingml/2006/main" xmlns:r="http://schemas.openxmlformats.org/officeDocument/2006/relationships" xmlns:p="http://schemas.openxmlformats.org/presentationml/2006/main">
+  <p:cSld>
+    <p:spTree>
+      <p:nvGrpSpPr>
+        <p:cNvPr id="1" name=""/>
+        <p:cNvGrpSpPr/>
+        <p:nvPr/>
+      </p:nvGrpSpPr>
+      <p:grpSpPr>
+        <a:xfrm>
+          <a:off x="0" y="0"/>
+          <a:ext cx="0" cy="0"/>
+          <a:chOff x="0" y="0"/>
+          <a:chExt cx="0" cy="0"/>
+        </a:xfrm>
+      </p:grpSpPr>
+      <p:sp>
+        <p:nvSpPr>
+          <p:cNvPr id="2" name="内容占位符 1"/>
+          <p:cNvSpPr>
+            <a:spLocks noGrp="1"/>
+          </p:cNvSpPr>
+          <p:nvPr>
+            <p:ph idx="1"/>
+          </p:nvPr>
+        </p:nvSpPr>
+        <p:spPr/>
+        <p:txBody>
+          <a:bodyPr/>
+          <a:lstStyle/>
+          <a:p>
+            <a:endParaRPr lang="en-US"/>
+          </a:p>
+        </p:txBody>
+      </p:sp>
+      <p:sp>
+        <p:nvSpPr>
+          <p:cNvPr id="3" name="标题 2"/>
+          <p:cNvSpPr>
+            <a:spLocks noGrp="1"/>
+          </p:cNvSpPr>
+          <p:nvPr>
+            <p:ph type="title"/>
+          </p:nvPr>
+        </p:nvSpPr>
+        <p:spPr/>
+        <p:txBody>
+          <a:bodyPr/>
+          <a:lstStyle/>
+          <a:p>
+            <a:endParaRPr lang="en-US"/>
+          </a:p>
+        </p:txBody>
+      </p:sp>
+    </p:spTree>
+    <p:extLst>
+      <p:ext uri="{BB962C8B-B14F-4D97-AF65-F5344CB8AC3E}">
+        <p14:creationId xmlns:p14="http://schemas.microsoft.com/office/powerpoint/2010/main" val="4104815046"/>
       </p:ext>
     </p:extLst>
   </p:cSld>

--- a/presentation/presentation.pptx
+++ b/presentation/presentation.pptx
@@ -18,13 +18,16 @@
     <p:sldId id="284" r:id="rId12"/>
     <p:sldId id="273" r:id="rId13"/>
     <p:sldId id="297" r:id="rId14"/>
-    <p:sldId id="291" r:id="rId15"/>
-    <p:sldId id="290" r:id="rId16"/>
-    <p:sldId id="280" r:id="rId17"/>
-    <p:sldId id="299" r:id="rId18"/>
-    <p:sldId id="286" r:id="rId19"/>
-    <p:sldId id="298" r:id="rId20"/>
-    <p:sldId id="287" r:id="rId21"/>
+    <p:sldId id="302" r:id="rId15"/>
+    <p:sldId id="291" r:id="rId16"/>
+    <p:sldId id="290" r:id="rId17"/>
+    <p:sldId id="280" r:id="rId18"/>
+    <p:sldId id="299" r:id="rId19"/>
+    <p:sldId id="301" r:id="rId20"/>
+    <p:sldId id="300" r:id="rId21"/>
+    <p:sldId id="303" r:id="rId22"/>
+    <p:sldId id="298" r:id="rId23"/>
+    <p:sldId id="287" r:id="rId24"/>
   </p:sldIdLst>
   <p:sldSz cx="9144000" cy="6858000" type="screen4x3"/>
   <p:notesSz cx="6858000" cy="9144000"/>
@@ -5539,12 +5542,6 @@
           <a:bodyPr/>
           <a:lstStyle/>
           <a:p>
-            <a:r>
-              <a:rPr lang="en-US" dirty="0">
-                <a:hlinkClick r:id="rId2"/>
-              </a:rPr>
-              <a:t>https://sites.google.com/site/hcivista/prototypes/prototype-iteration</a:t>
-            </a:r>
             <a:endParaRPr lang="en-US" dirty="0"/>
           </a:p>
         </p:txBody>
@@ -5566,12 +5563,66 @@
           <a:p>
             <a:r>
               <a:rPr lang="en-US" dirty="0" smtClean="0"/>
-              <a:t>Demo on our webpage</a:t>
+              <a:t>Overview of Project</a:t>
             </a:r>
             <a:endParaRPr lang="en-US" dirty="0"/>
           </a:p>
         </p:txBody>
       </p:sp>
+      <p:pic>
+        <p:nvPicPr>
+          <p:cNvPr id="2050" name="Picture 2"/>
+          <p:cNvPicPr>
+            <a:picLocks noChangeAspect="1" noChangeArrowheads="1"/>
+          </p:cNvPicPr>
+          <p:nvPr/>
+        </p:nvPicPr>
+        <p:blipFill>
+          <a:blip r:embed="rId2">
+            <a:extLst>
+              <a:ext uri="{28A0092B-C50C-407E-A947-70E740481C1C}">
+                <a14:useLocalDpi xmlns:a14="http://schemas.microsoft.com/office/drawing/2010/main" val="0"/>
+              </a:ext>
+            </a:extLst>
+          </a:blip>
+          <a:srcRect/>
+          <a:stretch>
+            <a:fillRect/>
+          </a:stretch>
+        </p:blipFill>
+        <p:spPr bwMode="auto">
+          <a:xfrm>
+            <a:off x="1619672" y="2132856"/>
+            <a:ext cx="5942037" cy="4184109"/>
+          </a:xfrm>
+          <a:prstGeom prst="rect">
+            <a:avLst/>
+          </a:prstGeom>
+          <a:noFill/>
+          <a:ln>
+            <a:noFill/>
+          </a:ln>
+          <a:extLst>
+            <a:ext uri="{909E8E84-426E-40DD-AFC4-6F175D3DCCD1}">
+              <a14:hiddenFill xmlns:a14="http://schemas.microsoft.com/office/drawing/2010/main">
+                <a:solidFill>
+                  <a:schemeClr val="accent1"/>
+                </a:solidFill>
+              </a14:hiddenFill>
+            </a:ext>
+            <a:ext uri="{91240B29-F687-4F45-9708-019B960494DF}">
+              <a14:hiddenLine xmlns:a14="http://schemas.microsoft.com/office/drawing/2010/main" w="9525">
+                <a:solidFill>
+                  <a:schemeClr val="tx1"/>
+                </a:solidFill>
+                <a:miter lim="800000"/>
+                <a:headEnd/>
+                <a:tailEnd/>
+              </a14:hiddenLine>
+            </a:ext>
+          </a:extLst>
+        </p:spPr>
+      </p:pic>
     </p:spTree>
     <p:extLst>
       <p:ext uri="{BB962C8B-B14F-4D97-AF65-F5344CB8AC3E}">
@@ -5582,10 +5633,156 @@
   <p:clrMapOvr>
     <a:masterClrMapping/>
   </p:clrMapOvr>
+  <p:timing>
+    <p:tnLst>
+      <p:par>
+        <p:cTn id="1" dur="indefinite" restart="never" nodeType="tmRoot"/>
+      </p:par>
+    </p:tnLst>
+  </p:timing>
 </p:sld>
 </file>
 
 <file path=ppt/slides/slide14.xml><?xml version="1.0" encoding="utf-8"?>
+<p:sld xmlns:a="http://schemas.openxmlformats.org/drawingml/2006/main" xmlns:r="http://schemas.openxmlformats.org/officeDocument/2006/relationships" xmlns:p="http://schemas.openxmlformats.org/presentationml/2006/main">
+  <p:cSld>
+    <p:spTree>
+      <p:nvGrpSpPr>
+        <p:cNvPr id="1" name=""/>
+        <p:cNvGrpSpPr/>
+        <p:nvPr/>
+      </p:nvGrpSpPr>
+      <p:grpSpPr>
+        <a:xfrm>
+          <a:off x="0" y="0"/>
+          <a:ext cx="0" cy="0"/>
+          <a:chOff x="0" y="0"/>
+          <a:chExt cx="0" cy="0"/>
+        </a:xfrm>
+      </p:grpSpPr>
+      <p:sp>
+        <p:nvSpPr>
+          <p:cNvPr id="2" name="Content Placeholder 1"/>
+          <p:cNvSpPr>
+            <a:spLocks noGrp="1"/>
+          </p:cNvSpPr>
+          <p:nvPr>
+            <p:ph idx="1"/>
+          </p:nvPr>
+        </p:nvSpPr>
+        <p:spPr/>
+        <p:txBody>
+          <a:bodyPr/>
+          <a:lstStyle/>
+          <a:p>
+            <a:r>
+              <a:rPr lang="en-US" dirty="0">
+                <a:hlinkClick r:id="rId2"/>
+              </a:rPr>
+              <a:t>https://sites.google.com/site/hcivista/prototypes/prototype-iteration</a:t>
+            </a:r>
+            <a:endParaRPr lang="en-US" dirty="0"/>
+          </a:p>
+        </p:txBody>
+      </p:sp>
+      <p:sp>
+        <p:nvSpPr>
+          <p:cNvPr id="3" name="Title 2"/>
+          <p:cNvSpPr>
+            <a:spLocks noGrp="1"/>
+          </p:cNvSpPr>
+          <p:nvPr>
+            <p:ph type="title"/>
+          </p:nvPr>
+        </p:nvSpPr>
+        <p:spPr/>
+        <p:txBody>
+          <a:bodyPr/>
+          <a:lstStyle/>
+          <a:p>
+            <a:r>
+              <a:rPr lang="en-US" dirty="0" smtClean="0"/>
+              <a:t>Demo on our webpage</a:t>
+            </a:r>
+            <a:endParaRPr lang="en-US" dirty="0"/>
+          </a:p>
+        </p:txBody>
+      </p:sp>
+      <p:pic>
+        <p:nvPicPr>
+          <p:cNvPr id="4" name="Picture 2"/>
+          <p:cNvPicPr>
+            <a:picLocks noChangeAspect="1" noChangeArrowheads="1"/>
+          </p:cNvPicPr>
+          <p:nvPr/>
+        </p:nvPicPr>
+        <p:blipFill>
+          <a:blip r:embed="rId3">
+            <a:extLst>
+              <a:ext uri="{28A0092B-C50C-407E-A947-70E740481C1C}">
+                <a14:useLocalDpi xmlns:a14="http://schemas.microsoft.com/office/drawing/2010/main" val="0"/>
+              </a:ext>
+            </a:extLst>
+          </a:blip>
+          <a:srcRect/>
+          <a:stretch>
+            <a:fillRect/>
+          </a:stretch>
+        </p:blipFill>
+        <p:spPr bwMode="auto">
+          <a:xfrm>
+            <a:off x="355591" y="3717032"/>
+            <a:ext cx="8632156" cy="1497548"/>
+          </a:xfrm>
+          <a:prstGeom prst="rect">
+            <a:avLst/>
+          </a:prstGeom>
+          <a:noFill/>
+          <a:ln>
+            <a:noFill/>
+          </a:ln>
+          <a:extLst>
+            <a:ext uri="{909E8E84-426E-40DD-AFC4-6F175D3DCCD1}">
+              <a14:hiddenFill xmlns:a14="http://schemas.microsoft.com/office/drawing/2010/main">
+                <a:solidFill>
+                  <a:schemeClr val="accent1"/>
+                </a:solidFill>
+              </a14:hiddenFill>
+            </a:ext>
+            <a:ext uri="{91240B29-F687-4F45-9708-019B960494DF}">
+              <a14:hiddenLine xmlns:a14="http://schemas.microsoft.com/office/drawing/2010/main" w="9525">
+                <a:solidFill>
+                  <a:schemeClr val="tx1"/>
+                </a:solidFill>
+                <a:miter lim="800000"/>
+                <a:headEnd/>
+                <a:tailEnd/>
+              </a14:hiddenLine>
+            </a:ext>
+          </a:extLst>
+        </p:spPr>
+      </p:pic>
+    </p:spTree>
+    <p:extLst>
+      <p:ext uri="{BB962C8B-B14F-4D97-AF65-F5344CB8AC3E}">
+        <p14:creationId xmlns:p14="http://schemas.microsoft.com/office/powerpoint/2010/main" val="2175093964"/>
+      </p:ext>
+    </p:extLst>
+  </p:cSld>
+  <p:clrMapOvr>
+    <a:masterClrMapping/>
+  </p:clrMapOvr>
+  <p:timing>
+    <p:tnLst>
+      <p:par>
+        <p:cTn id="1" dur="indefinite" restart="never" nodeType="tmRoot"/>
+      </p:par>
+    </p:tnLst>
+  </p:timing>
+</p:sld>
+</file>
+
+<file path=ppt/slides/slide15.xml><?xml version="1.0" encoding="utf-8"?>
 <p:sld xmlns:a="http://schemas.openxmlformats.org/drawingml/2006/main" xmlns:r="http://schemas.openxmlformats.org/officeDocument/2006/relationships" xmlns:p="http://schemas.openxmlformats.org/presentationml/2006/main">
   <p:cSld>
     <p:spTree>
@@ -5787,7 +5984,7 @@
 </p:sld>
 </file>
 
-<file path=ppt/slides/slide15.xml><?xml version="1.0" encoding="utf-8"?>
+<file path=ppt/slides/slide16.xml><?xml version="1.0" encoding="utf-8"?>
 <p:sld xmlns:a="http://schemas.openxmlformats.org/drawingml/2006/main" xmlns:r="http://schemas.openxmlformats.org/officeDocument/2006/relationships" xmlns:p="http://schemas.openxmlformats.org/presentationml/2006/main">
   <p:cSld>
     <p:spTree>
@@ -5920,60 +6117,6 @@
           </a:extLst>
         </p:spPr>
       </p:pic>
-      <p:pic>
-        <p:nvPicPr>
-          <p:cNvPr id="1026" name="Picture 2"/>
-          <p:cNvPicPr>
-            <a:picLocks noChangeAspect="1" noChangeArrowheads="1"/>
-          </p:cNvPicPr>
-          <p:nvPr/>
-        </p:nvPicPr>
-        <p:blipFill>
-          <a:blip r:embed="rId3">
-            <a:extLst>
-              <a:ext uri="{28A0092B-C50C-407E-A947-70E740481C1C}">
-                <a14:useLocalDpi xmlns:a14="http://schemas.microsoft.com/office/drawing/2010/main" val="0"/>
-              </a:ext>
-            </a:extLst>
-          </a:blip>
-          <a:srcRect/>
-          <a:stretch>
-            <a:fillRect/>
-          </a:stretch>
-        </p:blipFill>
-        <p:spPr bwMode="auto">
-          <a:xfrm>
-            <a:off x="323528" y="4653136"/>
-            <a:ext cx="5616624" cy="974399"/>
-          </a:xfrm>
-          <a:prstGeom prst="rect">
-            <a:avLst/>
-          </a:prstGeom>
-          <a:noFill/>
-          <a:ln>
-            <a:noFill/>
-          </a:ln>
-          <a:extLst>
-            <a:ext uri="{909E8E84-426E-40DD-AFC4-6F175D3DCCD1}">
-              <a14:hiddenFill xmlns:a14="http://schemas.microsoft.com/office/drawing/2010/main">
-                <a:solidFill>
-                  <a:schemeClr val="accent1"/>
-                </a:solidFill>
-              </a14:hiddenFill>
-            </a:ext>
-            <a:ext uri="{91240B29-F687-4F45-9708-019B960494DF}">
-              <a14:hiddenLine xmlns:a14="http://schemas.microsoft.com/office/drawing/2010/main" w="9525">
-                <a:solidFill>
-                  <a:schemeClr val="tx1"/>
-                </a:solidFill>
-                <a:miter lim="800000"/>
-                <a:headEnd/>
-                <a:tailEnd/>
-              </a14:hiddenLine>
-            </a:ext>
-          </a:extLst>
-        </p:spPr>
-      </p:pic>
     </p:spTree>
     <p:extLst>
       <p:ext uri="{BB962C8B-B14F-4D97-AF65-F5344CB8AC3E}">
@@ -5994,7 +6137,7 @@
 </p:sld>
 </file>
 
-<file path=ppt/slides/slide16.xml><?xml version="1.0" encoding="utf-8"?>
+<file path=ppt/slides/slide17.xml><?xml version="1.0" encoding="utf-8"?>
 <p:sld xmlns:a="http://schemas.openxmlformats.org/drawingml/2006/main" xmlns:r="http://schemas.openxmlformats.org/officeDocument/2006/relationships" xmlns:p="http://schemas.openxmlformats.org/presentationml/2006/main">
   <p:cSld>
     <p:spTree>
@@ -6199,7 +6342,7 @@
 </p:sld>
 </file>
 
-<file path=ppt/slides/slide17.xml><?xml version="1.0" encoding="utf-8"?>
+<file path=ppt/slides/slide18.xml><?xml version="1.0" encoding="utf-8"?>
 <p:sld xmlns:a="http://schemas.openxmlformats.org/drawingml/2006/main" xmlns:r="http://schemas.openxmlformats.org/officeDocument/2006/relationships" xmlns:p="http://schemas.openxmlformats.org/presentationml/2006/main">
   <p:cSld>
     <p:spTree>
@@ -6381,7 +6524,7 @@
 </p:sld>
 </file>
 
-<file path=ppt/slides/slide18.xml><?xml version="1.0" encoding="utf-8"?>
+<file path=ppt/slides/slide19.xml><?xml version="1.0" encoding="utf-8"?>
 <p:sld xmlns:a="http://schemas.openxmlformats.org/drawingml/2006/main" xmlns:r="http://schemas.openxmlformats.org/officeDocument/2006/relationships" xmlns:p="http://schemas.openxmlformats.org/presentationml/2006/main">
   <p:cSld>
     <p:spTree>
@@ -6410,7 +6553,7 @@
         </p:nvSpPr>
         <p:spPr>
           <a:xfrm>
-            <a:off x="699248" y="2248347"/>
+            <a:off x="611560" y="2060848"/>
             <a:ext cx="4545398" cy="4421013"/>
           </a:xfrm>
         </p:spPr>
@@ -6424,6 +6567,13 @@
               <a:rPr lang="en-US" dirty="0" smtClean="0"/>
               <a:t>Server integration</a:t>
             </a:r>
+          </a:p>
+          <a:p>
+            <a:pPr lvl="1"/>
+            <a:r>
+              <a:rPr lang="en-US" dirty="0" smtClean="0"/>
+              <a:t>Find item with bounding box image.</a:t>
+            </a:r>
             <a:endParaRPr lang="en-US" dirty="0"/>
           </a:p>
         </p:txBody>
@@ -6453,7 +6603,11 @@
             </a:r>
             <a:r>
               <a:rPr lang="en-US" b="1" dirty="0" smtClean="0"/>
-              <a:t>3.0</a:t>
+              <a:t>2</a:t>
+            </a:r>
+            <a:r>
+              <a:rPr lang="en-US" b="1" dirty="0" smtClean="0"/>
+              <a:t>.2</a:t>
             </a:r>
             <a:endParaRPr lang="en-US" dirty="0"/>
           </a:p>
@@ -6482,7 +6636,7 @@
         </p:blipFill>
         <p:spPr bwMode="auto">
           <a:xfrm>
-            <a:off x="5244645" y="2276872"/>
+            <a:off x="5148064" y="2132856"/>
             <a:ext cx="3899355" cy="3888432"/>
           </a:xfrm>
           <a:prstGeom prst="rect">
@@ -6503,7 +6657,7 @@
     </p:spTree>
     <p:extLst>
       <p:ext uri="{BB962C8B-B14F-4D97-AF65-F5344CB8AC3E}">
-        <p14:creationId xmlns:p14="http://schemas.microsoft.com/office/powerpoint/2010/main" val="769606271"/>
+        <p14:creationId xmlns:p14="http://schemas.microsoft.com/office/powerpoint/2010/main" val="912223143"/>
       </p:ext>
     </p:extLst>
   </p:cSld>
@@ -6517,84 +6671,6 @@
       </p:par>
     </p:tnLst>
   </p:timing>
-</p:sld>
-</file>
-
-<file path=ppt/slides/slide19.xml><?xml version="1.0" encoding="utf-8"?>
-<p:sld xmlns:a="http://schemas.openxmlformats.org/drawingml/2006/main" xmlns:r="http://schemas.openxmlformats.org/officeDocument/2006/relationships" xmlns:p="http://schemas.openxmlformats.org/presentationml/2006/main">
-  <p:cSld>
-    <p:spTree>
-      <p:nvGrpSpPr>
-        <p:cNvPr id="1" name=""/>
-        <p:cNvGrpSpPr/>
-        <p:nvPr/>
-      </p:nvGrpSpPr>
-      <p:grpSpPr>
-        <a:xfrm>
-          <a:off x="0" y="0"/>
-          <a:ext cx="0" cy="0"/>
-          <a:chOff x="0" y="0"/>
-          <a:chExt cx="0" cy="0"/>
-        </a:xfrm>
-      </p:grpSpPr>
-      <p:sp>
-        <p:nvSpPr>
-          <p:cNvPr id="2" name="Content Placeholder 1"/>
-          <p:cNvSpPr>
-            <a:spLocks noGrp="1"/>
-          </p:cNvSpPr>
-          <p:nvPr>
-            <p:ph idx="1"/>
-          </p:nvPr>
-        </p:nvSpPr>
-        <p:spPr/>
-        <p:txBody>
-          <a:bodyPr/>
-          <a:lstStyle/>
-          <a:p>
-            <a:r>
-              <a:rPr lang="en-US" dirty="0">
-                <a:hlinkClick r:id="rId2"/>
-              </a:rPr>
-              <a:t>https://sites.google.com/site/hcivista/prototypes/prototype-iteration</a:t>
-            </a:r>
-            <a:endParaRPr lang="en-US" dirty="0"/>
-          </a:p>
-        </p:txBody>
-      </p:sp>
-      <p:sp>
-        <p:nvSpPr>
-          <p:cNvPr id="3" name="Title 2"/>
-          <p:cNvSpPr>
-            <a:spLocks noGrp="1"/>
-          </p:cNvSpPr>
-          <p:nvPr>
-            <p:ph type="title"/>
-          </p:nvPr>
-        </p:nvSpPr>
-        <p:spPr/>
-        <p:txBody>
-          <a:bodyPr/>
-          <a:lstStyle/>
-          <a:p>
-            <a:r>
-              <a:rPr lang="en-US" dirty="0" smtClean="0"/>
-              <a:t>Iteration Demo</a:t>
-            </a:r>
-            <a:endParaRPr lang="en-US" dirty="0"/>
-          </a:p>
-        </p:txBody>
-      </p:sp>
-    </p:spTree>
-    <p:extLst>
-      <p:ext uri="{BB962C8B-B14F-4D97-AF65-F5344CB8AC3E}">
-        <p14:creationId xmlns:p14="http://schemas.microsoft.com/office/powerpoint/2010/main" val="422386742"/>
-      </p:ext>
-    </p:extLst>
-  </p:cSld>
-  <p:clrMapOvr>
-    <a:masterClrMapping/>
-  </p:clrMapOvr>
 </p:sld>
 </file>
 
@@ -6741,6 +6817,426 @@
 </file>
 
 <file path=ppt/slides/slide20.xml><?xml version="1.0" encoding="utf-8"?>
+<p:sld xmlns:a="http://schemas.openxmlformats.org/drawingml/2006/main" xmlns:r="http://schemas.openxmlformats.org/officeDocument/2006/relationships" xmlns:p="http://schemas.openxmlformats.org/presentationml/2006/main">
+  <p:cSld>
+    <p:spTree>
+      <p:nvGrpSpPr>
+        <p:cNvPr id="1" name=""/>
+        <p:cNvGrpSpPr/>
+        <p:nvPr/>
+      </p:nvGrpSpPr>
+      <p:grpSpPr>
+        <a:xfrm>
+          <a:off x="0" y="0"/>
+          <a:ext cx="0" cy="0"/>
+          <a:chOff x="0" y="0"/>
+          <a:chExt cx="0" cy="0"/>
+        </a:xfrm>
+      </p:grpSpPr>
+      <p:sp>
+        <p:nvSpPr>
+          <p:cNvPr id="2" name="内容占位符 1"/>
+          <p:cNvSpPr>
+            <a:spLocks noGrp="1"/>
+          </p:cNvSpPr>
+          <p:nvPr>
+            <p:ph idx="1"/>
+          </p:nvPr>
+        </p:nvSpPr>
+        <p:spPr/>
+        <p:txBody>
+          <a:bodyPr>
+            <a:normAutofit/>
+          </a:bodyPr>
+          <a:lstStyle/>
+          <a:p>
+            <a:r>
+              <a:rPr lang="en-US" dirty="0" smtClean="0"/>
+              <a:t>Vista Lab (Prof. </a:t>
+            </a:r>
+            <a:r>
+              <a:rPr lang="en-US" dirty="0" err="1" smtClean="0"/>
+              <a:t>Jiebo</a:t>
+            </a:r>
+            <a:r>
+              <a:rPr lang="en-US" dirty="0" smtClean="0"/>
+              <a:t> </a:t>
+            </a:r>
+            <a:r>
+              <a:rPr lang="en-US" dirty="0" err="1" smtClean="0"/>
+              <a:t>Luo</a:t>
+            </a:r>
+            <a:r>
+              <a:rPr lang="en-US" dirty="0" smtClean="0"/>
+              <a:t>)</a:t>
+            </a:r>
+            <a:endParaRPr lang="en-US" dirty="0" smtClean="0"/>
+          </a:p>
+          <a:p>
+            <a:pPr lvl="1"/>
+            <a:r>
+              <a:rPr lang="en-US" dirty="0" smtClean="0"/>
+              <a:t>7 </a:t>
+            </a:r>
+            <a:r>
+              <a:rPr lang="en-US" dirty="0" err="1" smtClean="0"/>
+              <a:t>P.h.D</a:t>
+            </a:r>
+            <a:r>
+              <a:rPr lang="en-US" dirty="0" smtClean="0"/>
+              <a:t> (Excludes </a:t>
+            </a:r>
+            <a:r>
+              <a:rPr lang="en-US" dirty="0" err="1" smtClean="0"/>
+              <a:t>Quanzeng</a:t>
+            </a:r>
+            <a:r>
+              <a:rPr lang="en-US" dirty="0" smtClean="0"/>
+              <a:t> You and Lam Tran) </a:t>
+            </a:r>
+          </a:p>
+          <a:p>
+            <a:pPr lvl="1"/>
+            <a:r>
+              <a:rPr lang="en-US" dirty="0" smtClean="0"/>
+              <a:t>4 Master Students (</a:t>
+            </a:r>
+            <a:r>
+              <a:rPr lang="en-US" dirty="0"/>
+              <a:t>Exclude </a:t>
+            </a:r>
+            <a:r>
+              <a:rPr lang="en-US" dirty="0" err="1" smtClean="0"/>
+              <a:t>Jianbo</a:t>
+            </a:r>
+            <a:r>
+              <a:rPr lang="en-US" dirty="0" smtClean="0"/>
+              <a:t> Yuan)</a:t>
+            </a:r>
+          </a:p>
+          <a:p>
+            <a:r>
+              <a:rPr lang="en-US" dirty="0" smtClean="0"/>
+              <a:t>Our Interface VS </a:t>
+            </a:r>
+            <a:r>
+              <a:rPr lang="en-US" dirty="0" err="1" smtClean="0"/>
+              <a:t>Camfind</a:t>
+            </a:r>
+            <a:r>
+              <a:rPr lang="en-US" dirty="0" smtClean="0"/>
+              <a:t> </a:t>
+            </a:r>
+            <a:endParaRPr lang="en-US" dirty="0"/>
+          </a:p>
+          <a:p>
+            <a:pPr lvl="1"/>
+            <a:r>
+              <a:rPr lang="en-US" dirty="0" smtClean="0"/>
+              <a:t>In favor of </a:t>
+            </a:r>
+            <a:r>
+              <a:rPr lang="en-US" dirty="0" err="1"/>
+              <a:t>Camfind</a:t>
+            </a:r>
+            <a:r>
+              <a:rPr lang="en-US" dirty="0"/>
+              <a:t> </a:t>
+            </a:r>
+            <a:r>
+              <a:rPr lang="en-US" dirty="0" smtClean="0"/>
+              <a:t>(8 to 0).</a:t>
+            </a:r>
+          </a:p>
+          <a:p>
+            <a:pPr lvl="1"/>
+            <a:r>
+              <a:rPr lang="en-US" dirty="0" smtClean="0"/>
+              <a:t>Our interface requires more user interactions.</a:t>
+            </a:r>
+          </a:p>
+        </p:txBody>
+      </p:sp>
+      <p:sp>
+        <p:nvSpPr>
+          <p:cNvPr id="3" name="标题 2"/>
+          <p:cNvSpPr>
+            <a:spLocks noGrp="1"/>
+          </p:cNvSpPr>
+          <p:nvPr>
+            <p:ph type="title"/>
+          </p:nvPr>
+        </p:nvSpPr>
+        <p:spPr/>
+        <p:txBody>
+          <a:bodyPr/>
+          <a:lstStyle/>
+          <a:p>
+            <a:r>
+              <a:rPr lang="en-US" b="1" dirty="0" smtClean="0"/>
+              <a:t>Input Interface Test</a:t>
+            </a:r>
+            <a:endParaRPr lang="en-US" dirty="0"/>
+          </a:p>
+        </p:txBody>
+      </p:sp>
+    </p:spTree>
+    <p:extLst>
+      <p:ext uri="{BB962C8B-B14F-4D97-AF65-F5344CB8AC3E}">
+        <p14:creationId xmlns:p14="http://schemas.microsoft.com/office/powerpoint/2010/main" val="912223143"/>
+      </p:ext>
+    </p:extLst>
+  </p:cSld>
+  <p:clrMapOvr>
+    <a:masterClrMapping/>
+  </p:clrMapOvr>
+  <p:timing>
+    <p:tnLst>
+      <p:par>
+        <p:cTn id="1" dur="indefinite" restart="never" nodeType="tmRoot"/>
+      </p:par>
+    </p:tnLst>
+  </p:timing>
+</p:sld>
+</file>
+
+<file path=ppt/slides/slide21.xml><?xml version="1.0" encoding="utf-8"?>
+<p:sld xmlns:a="http://schemas.openxmlformats.org/drawingml/2006/main" xmlns:r="http://schemas.openxmlformats.org/officeDocument/2006/relationships" xmlns:p="http://schemas.openxmlformats.org/presentationml/2006/main">
+  <p:cSld>
+    <p:spTree>
+      <p:nvGrpSpPr>
+        <p:cNvPr id="1" name=""/>
+        <p:cNvGrpSpPr/>
+        <p:nvPr/>
+      </p:nvGrpSpPr>
+      <p:grpSpPr>
+        <a:xfrm>
+          <a:off x="0" y="0"/>
+          <a:ext cx="0" cy="0"/>
+          <a:chOff x="0" y="0"/>
+          <a:chExt cx="0" cy="0"/>
+        </a:xfrm>
+      </p:grpSpPr>
+      <p:sp>
+        <p:nvSpPr>
+          <p:cNvPr id="2" name="内容占位符 1"/>
+          <p:cNvSpPr>
+            <a:spLocks noGrp="1"/>
+          </p:cNvSpPr>
+          <p:nvPr>
+            <p:ph idx="1"/>
+          </p:nvPr>
+        </p:nvSpPr>
+        <p:spPr/>
+        <p:txBody>
+          <a:bodyPr>
+            <a:normAutofit/>
+          </a:bodyPr>
+          <a:lstStyle/>
+          <a:p>
+            <a:r>
+              <a:rPr lang="en-US" dirty="0" smtClean="0"/>
+              <a:t>Automate bounding box with object </a:t>
+            </a:r>
+            <a:r>
+              <a:rPr lang="en-US" dirty="0"/>
+              <a:t>d</a:t>
+            </a:r>
+            <a:r>
+              <a:rPr lang="en-US" dirty="0" smtClean="0"/>
+              <a:t>etection.</a:t>
+            </a:r>
+            <a:endParaRPr lang="en-US" dirty="0"/>
+          </a:p>
+        </p:txBody>
+      </p:sp>
+      <p:sp>
+        <p:nvSpPr>
+          <p:cNvPr id="3" name="标题 2"/>
+          <p:cNvSpPr>
+            <a:spLocks noGrp="1"/>
+          </p:cNvSpPr>
+          <p:nvPr>
+            <p:ph type="title"/>
+          </p:nvPr>
+        </p:nvSpPr>
+        <p:spPr/>
+        <p:txBody>
+          <a:bodyPr/>
+          <a:lstStyle/>
+          <a:p>
+            <a:r>
+              <a:rPr lang="en-US" b="1" dirty="0" smtClean="0"/>
+              <a:t>P</a:t>
+            </a:r>
+            <a:r>
+              <a:rPr lang="en-US" b="1" dirty="0" smtClean="0"/>
+              <a:t>rototype 3.0</a:t>
+            </a:r>
+            <a:endParaRPr lang="en-US" dirty="0"/>
+          </a:p>
+        </p:txBody>
+      </p:sp>
+      <p:pic>
+        <p:nvPicPr>
+          <p:cNvPr id="3074" name="Picture 2"/>
+          <p:cNvPicPr>
+            <a:picLocks noChangeAspect="1" noChangeArrowheads="1"/>
+          </p:cNvPicPr>
+          <p:nvPr/>
+        </p:nvPicPr>
+        <p:blipFill>
+          <a:blip r:embed="rId2">
+            <a:extLst>
+              <a:ext uri="{28A0092B-C50C-407E-A947-70E740481C1C}">
+                <a14:useLocalDpi xmlns:a14="http://schemas.microsoft.com/office/drawing/2010/main" val="0"/>
+              </a:ext>
+            </a:extLst>
+          </a:blip>
+          <a:srcRect/>
+          <a:stretch>
+            <a:fillRect/>
+          </a:stretch>
+        </p:blipFill>
+        <p:spPr bwMode="auto">
+          <a:xfrm>
+            <a:off x="897282" y="2924944"/>
+            <a:ext cx="7286625" cy="3400425"/>
+          </a:xfrm>
+          <a:prstGeom prst="rect">
+            <a:avLst/>
+          </a:prstGeom>
+          <a:noFill/>
+          <a:ln>
+            <a:noFill/>
+          </a:ln>
+          <a:extLst>
+            <a:ext uri="{909E8E84-426E-40DD-AFC4-6F175D3DCCD1}">
+              <a14:hiddenFill xmlns:a14="http://schemas.microsoft.com/office/drawing/2010/main">
+                <a:solidFill>
+                  <a:schemeClr val="accent1"/>
+                </a:solidFill>
+              </a14:hiddenFill>
+            </a:ext>
+            <a:ext uri="{91240B29-F687-4F45-9708-019B960494DF}">
+              <a14:hiddenLine xmlns:a14="http://schemas.microsoft.com/office/drawing/2010/main" w="9525">
+                <a:solidFill>
+                  <a:schemeClr val="tx1"/>
+                </a:solidFill>
+                <a:miter lim="800000"/>
+                <a:headEnd/>
+                <a:tailEnd/>
+              </a14:hiddenLine>
+            </a:ext>
+          </a:extLst>
+        </p:spPr>
+      </p:pic>
+    </p:spTree>
+    <p:extLst>
+      <p:ext uri="{BB962C8B-B14F-4D97-AF65-F5344CB8AC3E}">
+        <p14:creationId xmlns:p14="http://schemas.microsoft.com/office/powerpoint/2010/main" val="970141597"/>
+      </p:ext>
+    </p:extLst>
+  </p:cSld>
+  <p:clrMapOvr>
+    <a:masterClrMapping/>
+  </p:clrMapOvr>
+  <p:timing>
+    <p:tnLst>
+      <p:par>
+        <p:cTn id="1" dur="indefinite" restart="never" nodeType="tmRoot"/>
+      </p:par>
+    </p:tnLst>
+  </p:timing>
+</p:sld>
+</file>
+
+<file path=ppt/slides/slide22.xml><?xml version="1.0" encoding="utf-8"?>
+<p:sld xmlns:a="http://schemas.openxmlformats.org/drawingml/2006/main" xmlns:r="http://schemas.openxmlformats.org/officeDocument/2006/relationships" xmlns:p="http://schemas.openxmlformats.org/presentationml/2006/main">
+  <p:cSld>
+    <p:spTree>
+      <p:nvGrpSpPr>
+        <p:cNvPr id="1" name=""/>
+        <p:cNvGrpSpPr/>
+        <p:nvPr/>
+      </p:nvGrpSpPr>
+      <p:grpSpPr>
+        <a:xfrm>
+          <a:off x="0" y="0"/>
+          <a:ext cx="0" cy="0"/>
+          <a:chOff x="0" y="0"/>
+          <a:chExt cx="0" cy="0"/>
+        </a:xfrm>
+      </p:grpSpPr>
+      <p:sp>
+        <p:nvSpPr>
+          <p:cNvPr id="2" name="Content Placeholder 1"/>
+          <p:cNvSpPr>
+            <a:spLocks noGrp="1"/>
+          </p:cNvSpPr>
+          <p:nvPr>
+            <p:ph idx="1"/>
+          </p:nvPr>
+        </p:nvSpPr>
+        <p:spPr/>
+        <p:txBody>
+          <a:bodyPr/>
+          <a:lstStyle/>
+          <a:p>
+            <a:r>
+              <a:rPr lang="en-US" dirty="0">
+                <a:hlinkClick r:id="rId2"/>
+              </a:rPr>
+              <a:t>https://sites.google.com/site/hcivista/prototypes/prototype-iteration</a:t>
+            </a:r>
+            <a:endParaRPr lang="en-US" dirty="0"/>
+          </a:p>
+        </p:txBody>
+      </p:sp>
+      <p:sp>
+        <p:nvSpPr>
+          <p:cNvPr id="3" name="Title 2"/>
+          <p:cNvSpPr>
+            <a:spLocks noGrp="1"/>
+          </p:cNvSpPr>
+          <p:nvPr>
+            <p:ph type="title"/>
+          </p:nvPr>
+        </p:nvSpPr>
+        <p:spPr/>
+        <p:txBody>
+          <a:bodyPr/>
+          <a:lstStyle/>
+          <a:p>
+            <a:r>
+              <a:rPr lang="en-US" dirty="0" smtClean="0"/>
+              <a:t>Iteration Demo</a:t>
+            </a:r>
+            <a:endParaRPr lang="en-US" dirty="0"/>
+          </a:p>
+        </p:txBody>
+      </p:sp>
+    </p:spTree>
+    <p:extLst>
+      <p:ext uri="{BB962C8B-B14F-4D97-AF65-F5344CB8AC3E}">
+        <p14:creationId xmlns:p14="http://schemas.microsoft.com/office/powerpoint/2010/main" val="422386742"/>
+      </p:ext>
+    </p:extLst>
+  </p:cSld>
+  <p:clrMapOvr>
+    <a:masterClrMapping/>
+  </p:clrMapOvr>
+  <p:timing>
+    <p:tnLst>
+      <p:par>
+        <p:cTn id="1" dur="indefinite" restart="never" nodeType="tmRoot"/>
+      </p:par>
+    </p:tnLst>
+  </p:timing>
+</p:sld>
+</file>
+
+<file path=ppt/slides/slide23.xml><?xml version="1.0" encoding="utf-8"?>
 <p:sld xmlns:a="http://schemas.openxmlformats.org/drawingml/2006/main" xmlns:r="http://schemas.openxmlformats.org/officeDocument/2006/relationships" xmlns:p="http://schemas.openxmlformats.org/presentationml/2006/main">
   <p:cSld>
     <p:spTree>

--- a/presentation/presentation.pptx
+++ b/presentation/presentation.pptx
@@ -10,24 +10,27 @@
     <p:sldId id="259" r:id="rId4"/>
     <p:sldId id="296" r:id="rId5"/>
     <p:sldId id="272" r:id="rId6"/>
-    <p:sldId id="274" r:id="rId7"/>
-    <p:sldId id="293" r:id="rId8"/>
-    <p:sldId id="294" r:id="rId9"/>
-    <p:sldId id="275" r:id="rId10"/>
-    <p:sldId id="288" r:id="rId11"/>
-    <p:sldId id="284" r:id="rId12"/>
-    <p:sldId id="273" r:id="rId13"/>
-    <p:sldId id="297" r:id="rId14"/>
-    <p:sldId id="302" r:id="rId15"/>
-    <p:sldId id="291" r:id="rId16"/>
-    <p:sldId id="290" r:id="rId17"/>
-    <p:sldId id="280" r:id="rId18"/>
-    <p:sldId id="299" r:id="rId19"/>
-    <p:sldId id="301" r:id="rId20"/>
-    <p:sldId id="300" r:id="rId21"/>
-    <p:sldId id="303" r:id="rId22"/>
-    <p:sldId id="298" r:id="rId23"/>
-    <p:sldId id="287" r:id="rId24"/>
+    <p:sldId id="293" r:id="rId7"/>
+    <p:sldId id="306" r:id="rId8"/>
+    <p:sldId id="307" r:id="rId9"/>
+    <p:sldId id="294" r:id="rId10"/>
+    <p:sldId id="275" r:id="rId11"/>
+    <p:sldId id="288" r:id="rId12"/>
+    <p:sldId id="284" r:id="rId13"/>
+    <p:sldId id="273" r:id="rId14"/>
+    <p:sldId id="297" r:id="rId15"/>
+    <p:sldId id="302" r:id="rId16"/>
+    <p:sldId id="291" r:id="rId17"/>
+    <p:sldId id="290" r:id="rId18"/>
+    <p:sldId id="280" r:id="rId19"/>
+    <p:sldId id="299" r:id="rId20"/>
+    <p:sldId id="301" r:id="rId21"/>
+    <p:sldId id="300" r:id="rId22"/>
+    <p:sldId id="303" r:id="rId23"/>
+    <p:sldId id="304" r:id="rId24"/>
+    <p:sldId id="298" r:id="rId25"/>
+    <p:sldId id="287" r:id="rId26"/>
+    <p:sldId id="305" r:id="rId27"/>
   </p:sldIdLst>
   <p:sldSz cx="9144000" cy="6858000" type="screen4x3"/>
   <p:notesSz cx="6858000" cy="9144000"/>
@@ -5152,7 +5155,7 @@
           <a:bodyPr/>
           <a:lstStyle/>
           <a:p>
-            <a:endParaRPr lang="en-US" dirty="0"/>
+            <a:endParaRPr lang="en-US"/>
           </a:p>
         </p:txBody>
       </p:sp>
@@ -5172,10 +5175,14 @@
           <a:lstStyle/>
           <a:p>
             <a:r>
-              <a:rPr lang="en-US" sz="2800" b="1" dirty="0" smtClean="0"/>
-              <a:t>These are the features people wanted to see in our image search app</a:t>
-            </a:r>
-            <a:endParaRPr lang="en-US" sz="2800" dirty="0"/>
+              <a:rPr lang="en-US" sz="4000" b="1" dirty="0" smtClean="0"/>
+              <a:t>Do </a:t>
+            </a:r>
+            <a:r>
+              <a:rPr lang="en-US" sz="4000" b="1" dirty="0"/>
+              <a:t>you prefer searching for clothing products via images? </a:t>
+            </a:r>
+            <a:endParaRPr lang="en-US" sz="4000" dirty="0"/>
           </a:p>
         </p:txBody>
       </p:sp>
@@ -5188,14 +5195,14 @@
           <p:nvPr>
             <p:extLst>
               <p:ext uri="{D42A27DB-BD31-4B8C-83A1-F6EECF244321}">
-                <p14:modId xmlns:p14="http://schemas.microsoft.com/office/powerpoint/2010/main" val="3112910396"/>
+                <p14:modId xmlns:p14="http://schemas.microsoft.com/office/powerpoint/2010/main" val="1967198195"/>
               </p:ext>
             </p:extLst>
           </p:nvPr>
         </p:nvGraphicFramePr>
         <p:xfrm>
-          <a:off x="899592" y="1988840"/>
-          <a:ext cx="7308304" cy="4680520"/>
+          <a:off x="1475656" y="2204864"/>
+          <a:ext cx="6462464" cy="4323928"/>
         </p:xfrm>
         <a:graphic>
           <a:graphicData uri="http://schemas.openxmlformats.org/drawingml/2006/chart">
@@ -5206,7 +5213,7 @@
     </p:spTree>
     <p:extLst>
       <p:ext uri="{BB962C8B-B14F-4D97-AF65-F5344CB8AC3E}">
-        <p14:creationId xmlns:p14="http://schemas.microsoft.com/office/powerpoint/2010/main" val="2255251786"/>
+        <p14:creationId xmlns:p14="http://schemas.microsoft.com/office/powerpoint/2010/main" val="632313714"/>
       </p:ext>
     </p:extLst>
   </p:cSld>
@@ -5255,54 +5262,7 @@
           <a:bodyPr/>
           <a:lstStyle/>
           <a:p>
-            <a:pPr marL="0" indent="0">
-              <a:buNone/>
-            </a:pPr>
-            <a:r>
-              <a:rPr lang="en-US" altLang="zh-CN" dirty="0" smtClean="0"/>
-              <a:t>Our goal was </a:t>
-            </a:r>
-            <a:r>
-              <a:rPr lang="en-US" altLang="zh-CN" dirty="0"/>
-              <a:t>to build an image intelligent Android app </a:t>
-            </a:r>
-            <a:r>
-              <a:rPr lang="en-US" altLang="zh-CN" dirty="0" smtClean="0"/>
-              <a:t>that offered </a:t>
-            </a:r>
-            <a:r>
-              <a:rPr lang="en-US" altLang="zh-CN" dirty="0"/>
-              <a:t>an easier alternative for users to </a:t>
-            </a:r>
-            <a:r>
-              <a:rPr lang="en-US" altLang="zh-CN" dirty="0" smtClean="0"/>
-              <a:t>search for clothes. With </a:t>
-            </a:r>
-            <a:r>
-              <a:rPr lang="en-US" altLang="zh-CN" dirty="0"/>
-              <a:t>our app, the user </a:t>
-            </a:r>
-            <a:r>
-              <a:rPr lang="en-US" altLang="zh-CN" dirty="0" smtClean="0"/>
-              <a:t>can </a:t>
-            </a:r>
-            <a:r>
-              <a:rPr lang="en-US" altLang="zh-CN" dirty="0"/>
-              <a:t>take a </a:t>
-            </a:r>
-            <a:r>
-              <a:rPr lang="en-US" altLang="zh-CN" dirty="0" smtClean="0"/>
-              <a:t>photo that can be compared with our database to find matching </a:t>
-            </a:r>
-            <a:r>
-              <a:rPr lang="en-US" altLang="zh-CN" smtClean="0"/>
-              <a:t>clothes and </a:t>
-            </a:r>
-            <a:r>
-              <a:rPr lang="en-US" altLang="zh-CN" dirty="0" smtClean="0"/>
-              <a:t>where to buy them. </a:t>
-            </a:r>
-            <a:endParaRPr lang="zh-CN" altLang="en-US" dirty="0"/>
+            <a:endParaRPr lang="en-US" dirty="0"/>
           </a:p>
         </p:txBody>
       </p:sp>
@@ -5322,99 +5282,41 @@
           <a:lstStyle/>
           <a:p>
             <a:r>
-              <a:rPr lang="en-US" altLang="zh-CN" dirty="0"/>
-              <a:t>Our S</a:t>
-            </a:r>
-            <a:r>
-              <a:rPr lang="en-US" altLang="zh-CN" dirty="0" smtClean="0"/>
-              <a:t>olution</a:t>
-            </a:r>
-            <a:endParaRPr lang="zh-CN" altLang="en-US" dirty="0"/>
-          </a:p>
-        </p:txBody>
-      </p:sp>
-      <p:sp>
-        <p:nvSpPr>
-          <p:cNvPr id="5" name="AutoShape 2" descr="https://lh6.ggpht.com/TWF21RygkFpkU-vKhdAxub1mF6L9xxoqc7aD1F6tD8ElCQFES4Ljn3yuUqcM1iZxC5A=w800-rw"/>
-          <p:cNvSpPr>
-            <a:spLocks noChangeAspect="1" noChangeArrowheads="1"/>
-          </p:cNvSpPr>
-          <p:nvPr/>
-        </p:nvSpPr>
-        <p:spPr bwMode="auto">
-          <a:xfrm>
-            <a:off x="155575" y="-144463"/>
-            <a:ext cx="304800" cy="304801"/>
-          </a:xfrm>
-          <a:prstGeom prst="rect">
-            <a:avLst/>
-          </a:prstGeom>
-          <a:noFill/>
-          <a:extLst>
-            <a:ext uri="{909E8E84-426E-40DD-AFC4-6F175D3DCCD1}">
-              <a14:hiddenFill xmlns:a14="http://schemas.microsoft.com/office/drawing/2010/main">
-                <a:solidFill>
-                  <a:srgbClr val="FFFFFF"/>
-                </a:solidFill>
-              </a14:hiddenFill>
-            </a:ext>
-          </a:extLst>
-        </p:spPr>
-        <p:txBody>
-          <a:bodyPr vert="horz" wrap="square" lIns="91440" tIns="45720" rIns="91440" bIns="45720" numCol="1" anchor="t" anchorCtr="0" compatLnSpc="1">
-            <a:prstTxWarp prst="textNoShape">
-              <a:avLst/>
-            </a:prstTxWarp>
-          </a:bodyPr>
-          <a:lstStyle/>
-          <a:p>
-            <a:endParaRPr lang="en-US"/>
-          </a:p>
-        </p:txBody>
-      </p:sp>
-      <p:sp>
-        <p:nvSpPr>
-          <p:cNvPr id="6" name="AutoShape 4" descr="https://lh6.ggpht.com/TWF21RygkFpkU-vKhdAxub1mF6L9xxoqc7aD1F6tD8ElCQFES4Ljn3yuUqcM1iZxC5A=w800-rw"/>
-          <p:cNvSpPr>
-            <a:spLocks noChangeAspect="1" noChangeArrowheads="1"/>
-          </p:cNvSpPr>
-          <p:nvPr/>
-        </p:nvSpPr>
-        <p:spPr bwMode="auto">
-          <a:xfrm>
-            <a:off x="307975" y="7937"/>
-            <a:ext cx="304800" cy="304801"/>
-          </a:xfrm>
-          <a:prstGeom prst="rect">
-            <a:avLst/>
-          </a:prstGeom>
-          <a:noFill/>
-          <a:extLst>
-            <a:ext uri="{909E8E84-426E-40DD-AFC4-6F175D3DCCD1}">
-              <a14:hiddenFill xmlns:a14="http://schemas.microsoft.com/office/drawing/2010/main">
-                <a:solidFill>
-                  <a:srgbClr val="FFFFFF"/>
-                </a:solidFill>
-              </a14:hiddenFill>
-            </a:ext>
-          </a:extLst>
-        </p:spPr>
-        <p:txBody>
-          <a:bodyPr vert="horz" wrap="square" lIns="91440" tIns="45720" rIns="91440" bIns="45720" numCol="1" anchor="t" anchorCtr="0" compatLnSpc="1">
-            <a:prstTxWarp prst="textNoShape">
-              <a:avLst/>
-            </a:prstTxWarp>
-          </a:bodyPr>
-          <a:lstStyle/>
-          <a:p>
-            <a:endParaRPr lang="en-US"/>
-          </a:p>
-        </p:txBody>
-      </p:sp>
+              <a:rPr lang="en-US" sz="2800" b="1" dirty="0" smtClean="0"/>
+              <a:t>These are the features people wanted to see in our image search app</a:t>
+            </a:r>
+            <a:endParaRPr lang="en-US" sz="2800" dirty="0"/>
+          </a:p>
+        </p:txBody>
+      </p:sp>
+      <p:graphicFrame>
+        <p:nvGraphicFramePr>
+          <p:cNvPr id="4" name="图表 3"/>
+          <p:cNvGraphicFramePr>
+            <a:graphicFrameLocks/>
+          </p:cNvGraphicFramePr>
+          <p:nvPr>
+            <p:extLst>
+              <p:ext uri="{D42A27DB-BD31-4B8C-83A1-F6EECF244321}">
+                <p14:modId xmlns:p14="http://schemas.microsoft.com/office/powerpoint/2010/main" val="3112910396"/>
+              </p:ext>
+            </p:extLst>
+          </p:nvPr>
+        </p:nvGraphicFramePr>
+        <p:xfrm>
+          <a:off x="899592" y="1988840"/>
+          <a:ext cx="7308304" cy="4680520"/>
+        </p:xfrm>
+        <a:graphic>
+          <a:graphicData uri="http://schemas.openxmlformats.org/drawingml/2006/chart">
+            <c:chart xmlns:c="http://schemas.openxmlformats.org/drawingml/2006/chart" xmlns:r="http://schemas.openxmlformats.org/officeDocument/2006/relationships" r:id="rId2"/>
+          </a:graphicData>
+        </a:graphic>
+      </p:graphicFrame>
     </p:spTree>
     <p:extLst>
       <p:ext uri="{BB962C8B-B14F-4D97-AF65-F5344CB8AC3E}">
-        <p14:creationId xmlns:p14="http://schemas.microsoft.com/office/powerpoint/2010/main" val="3957590297"/>
+        <p14:creationId xmlns:p14="http://schemas.microsoft.com/office/powerpoint/2010/main" val="2255251786"/>
       </p:ext>
     </p:extLst>
   </p:cSld>
@@ -5450,6 +5352,214 @@
       </p:grpSpPr>
       <p:sp>
         <p:nvSpPr>
+          <p:cNvPr id="2" name="内容占位符 1"/>
+          <p:cNvSpPr>
+            <a:spLocks noGrp="1"/>
+          </p:cNvSpPr>
+          <p:nvPr>
+            <p:ph idx="1"/>
+          </p:nvPr>
+        </p:nvSpPr>
+        <p:spPr/>
+        <p:txBody>
+          <a:bodyPr/>
+          <a:lstStyle/>
+          <a:p>
+            <a:pPr marL="0" indent="0">
+              <a:buNone/>
+            </a:pPr>
+            <a:r>
+              <a:rPr lang="en-US" altLang="zh-CN" dirty="0" smtClean="0"/>
+              <a:t>Our goal was </a:t>
+            </a:r>
+            <a:r>
+              <a:rPr lang="en-US" altLang="zh-CN" dirty="0"/>
+              <a:t>to build an image intelligent Android app </a:t>
+            </a:r>
+            <a:r>
+              <a:rPr lang="en-US" altLang="zh-CN" dirty="0" smtClean="0"/>
+              <a:t>that offered </a:t>
+            </a:r>
+            <a:r>
+              <a:rPr lang="en-US" altLang="zh-CN" dirty="0"/>
+              <a:t>an easier alternative for users to </a:t>
+            </a:r>
+            <a:r>
+              <a:rPr lang="en-US" altLang="zh-CN" dirty="0" smtClean="0"/>
+              <a:t>search for clothes. With </a:t>
+            </a:r>
+            <a:r>
+              <a:rPr lang="en-US" altLang="zh-CN" dirty="0"/>
+              <a:t>our app, the user </a:t>
+            </a:r>
+            <a:r>
+              <a:rPr lang="en-US" altLang="zh-CN" dirty="0" smtClean="0"/>
+              <a:t>can </a:t>
+            </a:r>
+            <a:r>
+              <a:rPr lang="en-US" altLang="zh-CN" dirty="0"/>
+              <a:t>take a </a:t>
+            </a:r>
+            <a:r>
+              <a:rPr lang="en-US" altLang="zh-CN" dirty="0" smtClean="0"/>
+              <a:t>photo that can be compared with our database to find matching </a:t>
+            </a:r>
+            <a:r>
+              <a:rPr lang="en-US" altLang="zh-CN" smtClean="0"/>
+              <a:t>clothes and </a:t>
+            </a:r>
+            <a:r>
+              <a:rPr lang="en-US" altLang="zh-CN" dirty="0" smtClean="0"/>
+              <a:t>where to buy them. </a:t>
+            </a:r>
+            <a:endParaRPr lang="zh-CN" altLang="en-US" dirty="0"/>
+          </a:p>
+        </p:txBody>
+      </p:sp>
+      <p:sp>
+        <p:nvSpPr>
+          <p:cNvPr id="3" name="标题 2"/>
+          <p:cNvSpPr>
+            <a:spLocks noGrp="1"/>
+          </p:cNvSpPr>
+          <p:nvPr>
+            <p:ph type="title"/>
+          </p:nvPr>
+        </p:nvSpPr>
+        <p:spPr/>
+        <p:txBody>
+          <a:bodyPr/>
+          <a:lstStyle/>
+          <a:p>
+            <a:r>
+              <a:rPr lang="en-US" altLang="zh-CN" dirty="0"/>
+              <a:t>Our S</a:t>
+            </a:r>
+            <a:r>
+              <a:rPr lang="en-US" altLang="zh-CN" dirty="0" smtClean="0"/>
+              <a:t>olution</a:t>
+            </a:r>
+            <a:endParaRPr lang="zh-CN" altLang="en-US" dirty="0"/>
+          </a:p>
+        </p:txBody>
+      </p:sp>
+      <p:sp>
+        <p:nvSpPr>
+          <p:cNvPr id="5" name="AutoShape 2" descr="https://lh6.ggpht.com/TWF21RygkFpkU-vKhdAxub1mF6L9xxoqc7aD1F6tD8ElCQFES4Ljn3yuUqcM1iZxC5A=w800-rw"/>
+          <p:cNvSpPr>
+            <a:spLocks noChangeAspect="1" noChangeArrowheads="1"/>
+          </p:cNvSpPr>
+          <p:nvPr/>
+        </p:nvSpPr>
+        <p:spPr bwMode="auto">
+          <a:xfrm>
+            <a:off x="155575" y="-144463"/>
+            <a:ext cx="304800" cy="304801"/>
+          </a:xfrm>
+          <a:prstGeom prst="rect">
+            <a:avLst/>
+          </a:prstGeom>
+          <a:noFill/>
+          <a:extLst>
+            <a:ext uri="{909E8E84-426E-40DD-AFC4-6F175D3DCCD1}">
+              <a14:hiddenFill xmlns:a14="http://schemas.microsoft.com/office/drawing/2010/main">
+                <a:solidFill>
+                  <a:srgbClr val="FFFFFF"/>
+                </a:solidFill>
+              </a14:hiddenFill>
+            </a:ext>
+          </a:extLst>
+        </p:spPr>
+        <p:txBody>
+          <a:bodyPr vert="horz" wrap="square" lIns="91440" tIns="45720" rIns="91440" bIns="45720" numCol="1" anchor="t" anchorCtr="0" compatLnSpc="1">
+            <a:prstTxWarp prst="textNoShape">
+              <a:avLst/>
+            </a:prstTxWarp>
+          </a:bodyPr>
+          <a:lstStyle/>
+          <a:p>
+            <a:endParaRPr lang="en-US"/>
+          </a:p>
+        </p:txBody>
+      </p:sp>
+      <p:sp>
+        <p:nvSpPr>
+          <p:cNvPr id="6" name="AutoShape 4" descr="https://lh6.ggpht.com/TWF21RygkFpkU-vKhdAxub1mF6L9xxoqc7aD1F6tD8ElCQFES4Ljn3yuUqcM1iZxC5A=w800-rw"/>
+          <p:cNvSpPr>
+            <a:spLocks noChangeAspect="1" noChangeArrowheads="1"/>
+          </p:cNvSpPr>
+          <p:nvPr/>
+        </p:nvSpPr>
+        <p:spPr bwMode="auto">
+          <a:xfrm>
+            <a:off x="307975" y="7937"/>
+            <a:ext cx="304800" cy="304801"/>
+          </a:xfrm>
+          <a:prstGeom prst="rect">
+            <a:avLst/>
+          </a:prstGeom>
+          <a:noFill/>
+          <a:extLst>
+            <a:ext uri="{909E8E84-426E-40DD-AFC4-6F175D3DCCD1}">
+              <a14:hiddenFill xmlns:a14="http://schemas.microsoft.com/office/drawing/2010/main">
+                <a:solidFill>
+                  <a:srgbClr val="FFFFFF"/>
+                </a:solidFill>
+              </a14:hiddenFill>
+            </a:ext>
+          </a:extLst>
+        </p:spPr>
+        <p:txBody>
+          <a:bodyPr vert="horz" wrap="square" lIns="91440" tIns="45720" rIns="91440" bIns="45720" numCol="1" anchor="t" anchorCtr="0" compatLnSpc="1">
+            <a:prstTxWarp prst="textNoShape">
+              <a:avLst/>
+            </a:prstTxWarp>
+          </a:bodyPr>
+          <a:lstStyle/>
+          <a:p>
+            <a:endParaRPr lang="en-US"/>
+          </a:p>
+        </p:txBody>
+      </p:sp>
+    </p:spTree>
+    <p:extLst>
+      <p:ext uri="{BB962C8B-B14F-4D97-AF65-F5344CB8AC3E}">
+        <p14:creationId xmlns:p14="http://schemas.microsoft.com/office/powerpoint/2010/main" val="3957590297"/>
+      </p:ext>
+    </p:extLst>
+  </p:cSld>
+  <p:clrMapOvr>
+    <a:masterClrMapping/>
+  </p:clrMapOvr>
+  <p:timing>
+    <p:tnLst>
+      <p:par>
+        <p:cTn id="1" dur="indefinite" restart="never" nodeType="tmRoot"/>
+      </p:par>
+    </p:tnLst>
+  </p:timing>
+</p:sld>
+</file>
+
+<file path=ppt/slides/slide13.xml><?xml version="1.0" encoding="utf-8"?>
+<p:sld xmlns:a="http://schemas.openxmlformats.org/drawingml/2006/main" xmlns:r="http://schemas.openxmlformats.org/officeDocument/2006/relationships" xmlns:p="http://schemas.openxmlformats.org/presentationml/2006/main">
+  <p:cSld>
+    <p:spTree>
+      <p:nvGrpSpPr>
+        <p:cNvPr id="1" name=""/>
+        <p:cNvGrpSpPr/>
+        <p:nvPr/>
+      </p:nvGrpSpPr>
+      <p:grpSpPr>
+        <a:xfrm>
+          <a:off x="0" y="0"/>
+          <a:ext cx="0" cy="0"/>
+          <a:chOff x="0" y="0"/>
+          <a:chExt cx="0" cy="0"/>
+        </a:xfrm>
+      </p:grpSpPr>
+      <p:sp>
+        <p:nvSpPr>
           <p:cNvPr id="3" name="标题 2"/>
           <p:cNvSpPr>
             <a:spLocks noGrp="1"/>
@@ -5510,7 +5620,7 @@
 </p:sld>
 </file>
 
-<file path=ppt/slides/slide13.xml><?xml version="1.0" encoding="utf-8"?>
+<file path=ppt/slides/slide14.xml><?xml version="1.0" encoding="utf-8"?>
 <p:sld xmlns:a="http://schemas.openxmlformats.org/drawingml/2006/main" xmlns:r="http://schemas.openxmlformats.org/officeDocument/2006/relationships" xmlns:p="http://schemas.openxmlformats.org/presentationml/2006/main">
   <p:cSld>
     <p:spTree>
@@ -5643,7 +5753,7 @@
 </p:sld>
 </file>
 
-<file path=ppt/slides/slide14.xml><?xml version="1.0" encoding="utf-8"?>
+<file path=ppt/slides/slide15.xml><?xml version="1.0" encoding="utf-8"?>
 <p:sld xmlns:a="http://schemas.openxmlformats.org/drawingml/2006/main" xmlns:r="http://schemas.openxmlformats.org/officeDocument/2006/relationships" xmlns:p="http://schemas.openxmlformats.org/presentationml/2006/main">
   <p:cSld>
     <p:spTree>
@@ -5782,7 +5892,7 @@
 </p:sld>
 </file>
 
-<file path=ppt/slides/slide15.xml><?xml version="1.0" encoding="utf-8"?>
+<file path=ppt/slides/slide16.xml><?xml version="1.0" encoding="utf-8"?>
 <p:sld xmlns:a="http://schemas.openxmlformats.org/drawingml/2006/main" xmlns:r="http://schemas.openxmlformats.org/officeDocument/2006/relationships" xmlns:p="http://schemas.openxmlformats.org/presentationml/2006/main">
   <p:cSld>
     <p:spTree>
@@ -5984,7 +6094,7 @@
 </p:sld>
 </file>
 
-<file path=ppt/slides/slide16.xml><?xml version="1.0" encoding="utf-8"?>
+<file path=ppt/slides/slide17.xml><?xml version="1.0" encoding="utf-8"?>
 <p:sld xmlns:a="http://schemas.openxmlformats.org/drawingml/2006/main" xmlns:r="http://schemas.openxmlformats.org/officeDocument/2006/relationships" xmlns:p="http://schemas.openxmlformats.org/presentationml/2006/main">
   <p:cSld>
     <p:spTree>
@@ -6137,7 +6247,7 @@
 </p:sld>
 </file>
 
-<file path=ppt/slides/slide17.xml><?xml version="1.0" encoding="utf-8"?>
+<file path=ppt/slides/slide18.xml><?xml version="1.0" encoding="utf-8"?>
 <p:sld xmlns:a="http://schemas.openxmlformats.org/drawingml/2006/main" xmlns:r="http://schemas.openxmlformats.org/officeDocument/2006/relationships" xmlns:p="http://schemas.openxmlformats.org/presentationml/2006/main">
   <p:cSld>
     <p:spTree>
@@ -6203,7 +6313,6 @@
               <a:rPr lang="en-US" dirty="0" smtClean="0"/>
               <a:t> - Dragging finger on screen.</a:t>
             </a:r>
-            <a:endParaRPr lang="en-US" dirty="0" smtClean="0"/>
           </a:p>
           <a:p>
             <a:pPr marL="0" indent="0">
@@ -6342,7 +6451,7 @@
 </p:sld>
 </file>
 
-<file path=ppt/slides/slide18.xml><?xml version="1.0" encoding="utf-8"?>
+<file path=ppt/slides/slide19.xml><?xml version="1.0" encoding="utf-8"?>
 <p:sld xmlns:a="http://schemas.openxmlformats.org/drawingml/2006/main" xmlns:r="http://schemas.openxmlformats.org/officeDocument/2006/relationships" xmlns:p="http://schemas.openxmlformats.org/presentationml/2006/main">
   <p:cSld>
     <p:spTree>
@@ -6389,7 +6498,6 @@
               <a:rPr lang="en-US" dirty="0" smtClean="0"/>
               <a:t>gestures.</a:t>
             </a:r>
-            <a:endParaRPr lang="en-US" dirty="0" smtClean="0"/>
           </a:p>
           <a:p>
             <a:pPr marL="0" indent="0">
@@ -6524,156 +6632,6 @@
 </p:sld>
 </file>
 
-<file path=ppt/slides/slide19.xml><?xml version="1.0" encoding="utf-8"?>
-<p:sld xmlns:a="http://schemas.openxmlformats.org/drawingml/2006/main" xmlns:r="http://schemas.openxmlformats.org/officeDocument/2006/relationships" xmlns:p="http://schemas.openxmlformats.org/presentationml/2006/main">
-  <p:cSld>
-    <p:spTree>
-      <p:nvGrpSpPr>
-        <p:cNvPr id="1" name=""/>
-        <p:cNvGrpSpPr/>
-        <p:nvPr/>
-      </p:nvGrpSpPr>
-      <p:grpSpPr>
-        <a:xfrm>
-          <a:off x="0" y="0"/>
-          <a:ext cx="0" cy="0"/>
-          <a:chOff x="0" y="0"/>
-          <a:chExt cx="0" cy="0"/>
-        </a:xfrm>
-      </p:grpSpPr>
-      <p:sp>
-        <p:nvSpPr>
-          <p:cNvPr id="2" name="内容占位符 1"/>
-          <p:cNvSpPr>
-            <a:spLocks noGrp="1"/>
-          </p:cNvSpPr>
-          <p:nvPr>
-            <p:ph idx="1"/>
-          </p:nvPr>
-        </p:nvSpPr>
-        <p:spPr>
-          <a:xfrm>
-            <a:off x="611560" y="2060848"/>
-            <a:ext cx="4545398" cy="4421013"/>
-          </a:xfrm>
-        </p:spPr>
-        <p:txBody>
-          <a:bodyPr>
-            <a:normAutofit/>
-          </a:bodyPr>
-          <a:lstStyle/>
-          <a:p>
-            <a:r>
-              <a:rPr lang="en-US" dirty="0" smtClean="0"/>
-              <a:t>Server integration</a:t>
-            </a:r>
-          </a:p>
-          <a:p>
-            <a:pPr lvl="1"/>
-            <a:r>
-              <a:rPr lang="en-US" dirty="0" smtClean="0"/>
-              <a:t>Find item with bounding box image.</a:t>
-            </a:r>
-            <a:endParaRPr lang="en-US" dirty="0"/>
-          </a:p>
-        </p:txBody>
-      </p:sp>
-      <p:sp>
-        <p:nvSpPr>
-          <p:cNvPr id="3" name="标题 2"/>
-          <p:cNvSpPr>
-            <a:spLocks noGrp="1"/>
-          </p:cNvSpPr>
-          <p:nvPr>
-            <p:ph type="title"/>
-          </p:nvPr>
-        </p:nvSpPr>
-        <p:spPr/>
-        <p:txBody>
-          <a:bodyPr/>
-          <a:lstStyle/>
-          <a:p>
-            <a:r>
-              <a:rPr lang="en-US" b="1" dirty="0" smtClean="0"/>
-              <a:t>P</a:t>
-            </a:r>
-            <a:r>
-              <a:rPr lang="en-US" b="1" dirty="0" smtClean="0"/>
-              <a:t>rototype </a:t>
-            </a:r>
-            <a:r>
-              <a:rPr lang="en-US" b="1" dirty="0" smtClean="0"/>
-              <a:t>2</a:t>
-            </a:r>
-            <a:r>
-              <a:rPr lang="en-US" b="1" dirty="0" smtClean="0"/>
-              <a:t>.2</a:t>
-            </a:r>
-            <a:endParaRPr lang="en-US" dirty="0"/>
-          </a:p>
-        </p:txBody>
-      </p:sp>
-      <p:pic>
-        <p:nvPicPr>
-          <p:cNvPr id="1027" name="Picture 3" descr="C:\Users\admin\Desktop\2.PNG"/>
-          <p:cNvPicPr>
-            <a:picLocks noChangeAspect="1" noChangeArrowheads="1"/>
-          </p:cNvPicPr>
-          <p:nvPr/>
-        </p:nvPicPr>
-        <p:blipFill>
-          <a:blip r:embed="rId2">
-            <a:extLst>
-              <a:ext uri="{28A0092B-C50C-407E-A947-70E740481C1C}">
-                <a14:useLocalDpi xmlns:a14="http://schemas.microsoft.com/office/drawing/2010/main" val="0"/>
-              </a:ext>
-            </a:extLst>
-          </a:blip>
-          <a:srcRect/>
-          <a:stretch>
-            <a:fillRect/>
-          </a:stretch>
-        </p:blipFill>
-        <p:spPr bwMode="auto">
-          <a:xfrm>
-            <a:off x="5148064" y="2132856"/>
-            <a:ext cx="3899355" cy="3888432"/>
-          </a:xfrm>
-          <a:prstGeom prst="rect">
-            <a:avLst/>
-          </a:prstGeom>
-          <a:noFill/>
-          <a:extLst>
-            <a:ext uri="{909E8E84-426E-40DD-AFC4-6F175D3DCCD1}">
-              <a14:hiddenFill xmlns:a14="http://schemas.microsoft.com/office/drawing/2010/main">
-                <a:solidFill>
-                  <a:srgbClr val="FFFFFF"/>
-                </a:solidFill>
-              </a14:hiddenFill>
-            </a:ext>
-          </a:extLst>
-        </p:spPr>
-      </p:pic>
-    </p:spTree>
-    <p:extLst>
-      <p:ext uri="{BB962C8B-B14F-4D97-AF65-F5344CB8AC3E}">
-        <p14:creationId xmlns:p14="http://schemas.microsoft.com/office/powerpoint/2010/main" val="912223143"/>
-      </p:ext>
-    </p:extLst>
-  </p:cSld>
-  <p:clrMapOvr>
-    <a:masterClrMapping/>
-  </p:clrMapOvr>
-  <p:timing>
-    <p:tnLst>
-      <p:par>
-        <p:cTn id="1" dur="indefinite" restart="never" nodeType="tmRoot"/>
-      </p:par>
-    </p:tnLst>
-  </p:timing>
-</p:sld>
-</file>
-
 <file path=ppt/slides/slide2.xml><?xml version="1.0" encoding="utf-8"?>
 <p:sld xmlns:a="http://schemas.openxmlformats.org/drawingml/2006/main" xmlns:r="http://schemas.openxmlformats.org/officeDocument/2006/relationships" xmlns:p="http://schemas.openxmlformats.org/presentationml/2006/main">
   <p:cSld>
@@ -6843,7 +6801,12 @@
             <p:ph idx="1"/>
           </p:nvPr>
         </p:nvSpPr>
-        <p:spPr/>
+        <p:spPr>
+          <a:xfrm>
+            <a:off x="611560" y="2060848"/>
+            <a:ext cx="4545398" cy="4421013"/>
+          </a:xfrm>
+        </p:spPr>
         <p:txBody>
           <a:bodyPr>
             <a:normAutofit/>
@@ -6852,109 +6815,17 @@
           <a:p>
             <a:r>
               <a:rPr lang="en-US" dirty="0" smtClean="0"/>
-              <a:t>Vista Lab (Prof. </a:t>
-            </a:r>
-            <a:r>
-              <a:rPr lang="en-US" dirty="0" err="1" smtClean="0"/>
-              <a:t>Jiebo</a:t>
-            </a:r>
+              <a:t>Server integration</a:t>
+            </a:r>
+          </a:p>
+          <a:p>
+            <a:pPr lvl="1"/>
             <a:r>
               <a:rPr lang="en-US" dirty="0" smtClean="0"/>
-              <a:t> </a:t>
-            </a:r>
-            <a:r>
-              <a:rPr lang="en-US" dirty="0" err="1" smtClean="0"/>
-              <a:t>Luo</a:t>
-            </a:r>
-            <a:r>
-              <a:rPr lang="en-US" dirty="0" smtClean="0"/>
-              <a:t>)</a:t>
-            </a:r>
-            <a:endParaRPr lang="en-US" dirty="0" smtClean="0"/>
-          </a:p>
-          <a:p>
-            <a:pPr lvl="1"/>
-            <a:r>
-              <a:rPr lang="en-US" dirty="0" smtClean="0"/>
-              <a:t>7 </a:t>
-            </a:r>
-            <a:r>
-              <a:rPr lang="en-US" dirty="0" err="1" smtClean="0"/>
-              <a:t>P.h.D</a:t>
-            </a:r>
-            <a:r>
-              <a:rPr lang="en-US" dirty="0" smtClean="0"/>
-              <a:t> (Excludes </a:t>
-            </a:r>
-            <a:r>
-              <a:rPr lang="en-US" dirty="0" err="1" smtClean="0"/>
-              <a:t>Quanzeng</a:t>
-            </a:r>
-            <a:r>
-              <a:rPr lang="en-US" dirty="0" smtClean="0"/>
-              <a:t> You and Lam Tran) </a:t>
-            </a:r>
-          </a:p>
-          <a:p>
-            <a:pPr lvl="1"/>
-            <a:r>
-              <a:rPr lang="en-US" dirty="0" smtClean="0"/>
-              <a:t>4 Master Students (</a:t>
-            </a:r>
-            <a:r>
-              <a:rPr lang="en-US" dirty="0"/>
-              <a:t>Exclude </a:t>
-            </a:r>
-            <a:r>
-              <a:rPr lang="en-US" dirty="0" err="1" smtClean="0"/>
-              <a:t>Jianbo</a:t>
-            </a:r>
-            <a:r>
-              <a:rPr lang="en-US" dirty="0" smtClean="0"/>
-              <a:t> Yuan)</a:t>
-            </a:r>
-          </a:p>
-          <a:p>
-            <a:r>
-              <a:rPr lang="en-US" dirty="0" smtClean="0"/>
-              <a:t>Our Interface VS </a:t>
-            </a:r>
-            <a:r>
-              <a:rPr lang="en-US" dirty="0" err="1" smtClean="0"/>
-              <a:t>Camfind</a:t>
-            </a:r>
-            <a:r>
-              <a:rPr lang="en-US" dirty="0" smtClean="0"/>
-              <a:t> </a:t>
+              <a:t>Find item with bounding box image.</a:t>
             </a:r>
             <a:endParaRPr lang="en-US" dirty="0"/>
           </a:p>
-          <a:p>
-            <a:pPr lvl="1"/>
-            <a:r>
-              <a:rPr lang="en-US" dirty="0" smtClean="0"/>
-              <a:t>In favor of </a:t>
-            </a:r>
-            <a:r>
-              <a:rPr lang="en-US" dirty="0" err="1"/>
-              <a:t>Camfind</a:t>
-            </a:r>
-            <a:r>
-              <a:rPr lang="en-US" dirty="0"/>
-              <a:t> </a:t>
-            </a:r>
-            <a:r>
-              <a:rPr lang="en-US" dirty="0" smtClean="0"/>
-              <a:t>(8 to 0).</a:t>
-            </a:r>
-          </a:p>
-          <a:p>
-            <a:pPr lvl="1"/>
-            <a:r>
-              <a:rPr lang="en-US" dirty="0" smtClean="0"/>
-              <a:t>Our interface requires more user interactions.</a:t>
-            </a:r>
-          </a:p>
         </p:txBody>
       </p:sp>
       <p:sp>
@@ -6974,12 +6845,53 @@
           <a:p>
             <a:r>
               <a:rPr lang="en-US" b="1" dirty="0" smtClean="0"/>
-              <a:t>Input Interface Test</a:t>
+              <a:t>Prototype 2.2</a:t>
             </a:r>
             <a:endParaRPr lang="en-US" dirty="0"/>
           </a:p>
         </p:txBody>
       </p:sp>
+      <p:pic>
+        <p:nvPicPr>
+          <p:cNvPr id="1027" name="Picture 3" descr="C:\Users\admin\Desktop\2.PNG"/>
+          <p:cNvPicPr>
+            <a:picLocks noChangeAspect="1" noChangeArrowheads="1"/>
+          </p:cNvPicPr>
+          <p:nvPr/>
+        </p:nvPicPr>
+        <p:blipFill>
+          <a:blip r:embed="rId2">
+            <a:extLst>
+              <a:ext uri="{28A0092B-C50C-407E-A947-70E740481C1C}">
+                <a14:useLocalDpi xmlns:a14="http://schemas.microsoft.com/office/drawing/2010/main" val="0"/>
+              </a:ext>
+            </a:extLst>
+          </a:blip>
+          <a:srcRect/>
+          <a:stretch>
+            <a:fillRect/>
+          </a:stretch>
+        </p:blipFill>
+        <p:spPr bwMode="auto">
+          <a:xfrm>
+            <a:off x="5148064" y="2132856"/>
+            <a:ext cx="3899355" cy="3888432"/>
+          </a:xfrm>
+          <a:prstGeom prst="rect">
+            <a:avLst/>
+          </a:prstGeom>
+          <a:noFill/>
+          <a:extLst>
+            <a:ext uri="{909E8E84-426E-40DD-AFC4-6F175D3DCCD1}">
+              <a14:hiddenFill xmlns:a14="http://schemas.microsoft.com/office/drawing/2010/main">
+                <a:solidFill>
+                  <a:srgbClr val="FFFFFF"/>
+                </a:solidFill>
+              </a14:hiddenFill>
+            </a:ext>
+          </a:extLst>
+        </p:spPr>
+      </p:pic>
     </p:spTree>
     <p:extLst>
       <p:ext uri="{BB962C8B-B14F-4D97-AF65-F5344CB8AC3E}">
@@ -7036,7 +6948,198 @@
           <a:p>
             <a:r>
               <a:rPr lang="en-US" dirty="0" smtClean="0"/>
-              <a:t>Automate bounding box with object </a:t>
+              <a:t>Vista Lab (Prof. </a:t>
+            </a:r>
+            <a:r>
+              <a:rPr lang="en-US" dirty="0" err="1" smtClean="0"/>
+              <a:t>Jiebo</a:t>
+            </a:r>
+            <a:r>
+              <a:rPr lang="en-US" dirty="0" smtClean="0"/>
+              <a:t> </a:t>
+            </a:r>
+            <a:r>
+              <a:rPr lang="en-US" dirty="0" err="1" smtClean="0"/>
+              <a:t>Luo</a:t>
+            </a:r>
+            <a:r>
+              <a:rPr lang="en-US" dirty="0" smtClean="0"/>
+              <a:t>)</a:t>
+            </a:r>
+          </a:p>
+          <a:p>
+            <a:pPr lvl="1"/>
+            <a:r>
+              <a:rPr lang="en-US" dirty="0" smtClean="0"/>
+              <a:t>7 </a:t>
+            </a:r>
+            <a:r>
+              <a:rPr lang="en-US" dirty="0" err="1" smtClean="0"/>
+              <a:t>P.h.D</a:t>
+            </a:r>
+            <a:r>
+              <a:rPr lang="en-US" dirty="0" smtClean="0"/>
+              <a:t> (Excludes </a:t>
+            </a:r>
+            <a:r>
+              <a:rPr lang="en-US" dirty="0" err="1" smtClean="0"/>
+              <a:t>Quanzeng</a:t>
+            </a:r>
+            <a:r>
+              <a:rPr lang="en-US" dirty="0" smtClean="0"/>
+              <a:t> You and Lam Tran) </a:t>
+            </a:r>
+          </a:p>
+          <a:p>
+            <a:pPr lvl="1"/>
+            <a:r>
+              <a:rPr lang="en-US" dirty="0" smtClean="0"/>
+              <a:t>4 Master Students (</a:t>
+            </a:r>
+            <a:r>
+              <a:rPr lang="en-US" dirty="0"/>
+              <a:t>Exclude </a:t>
+            </a:r>
+            <a:r>
+              <a:rPr lang="en-US" dirty="0" err="1" smtClean="0"/>
+              <a:t>Jianbo</a:t>
+            </a:r>
+            <a:r>
+              <a:rPr lang="en-US" dirty="0" smtClean="0"/>
+              <a:t> Yuan)</a:t>
+            </a:r>
+          </a:p>
+          <a:p>
+            <a:r>
+              <a:rPr lang="en-US" dirty="0" smtClean="0"/>
+              <a:t>Our Interface VS </a:t>
+            </a:r>
+            <a:r>
+              <a:rPr lang="en-US" dirty="0" err="1" smtClean="0"/>
+              <a:t>Camfind</a:t>
+            </a:r>
+            <a:r>
+              <a:rPr lang="en-US" dirty="0" smtClean="0"/>
+              <a:t> </a:t>
+            </a:r>
+            <a:endParaRPr lang="en-US" dirty="0"/>
+          </a:p>
+          <a:p>
+            <a:pPr lvl="1"/>
+            <a:r>
+              <a:rPr lang="en-US" dirty="0" smtClean="0"/>
+              <a:t>In favor of </a:t>
+            </a:r>
+            <a:r>
+              <a:rPr lang="en-US" dirty="0" err="1"/>
+              <a:t>Camfind</a:t>
+            </a:r>
+            <a:r>
+              <a:rPr lang="en-US" dirty="0"/>
+              <a:t> </a:t>
+            </a:r>
+            <a:r>
+              <a:rPr lang="en-US" dirty="0" smtClean="0"/>
+              <a:t>(8 to 0).</a:t>
+            </a:r>
+          </a:p>
+          <a:p>
+            <a:pPr lvl="1"/>
+            <a:r>
+              <a:rPr lang="en-US" dirty="0" smtClean="0"/>
+              <a:t>Our interface requires more user interactions.</a:t>
+            </a:r>
+          </a:p>
+        </p:txBody>
+      </p:sp>
+      <p:sp>
+        <p:nvSpPr>
+          <p:cNvPr id="3" name="标题 2"/>
+          <p:cNvSpPr>
+            <a:spLocks noGrp="1"/>
+          </p:cNvSpPr>
+          <p:nvPr>
+            <p:ph type="title"/>
+          </p:nvPr>
+        </p:nvSpPr>
+        <p:spPr/>
+        <p:txBody>
+          <a:bodyPr/>
+          <a:lstStyle/>
+          <a:p>
+            <a:r>
+              <a:rPr lang="en-US" b="1" dirty="0" smtClean="0"/>
+              <a:t>Input Interface Test</a:t>
+            </a:r>
+            <a:endParaRPr lang="en-US" dirty="0"/>
+          </a:p>
+        </p:txBody>
+      </p:sp>
+    </p:spTree>
+    <p:extLst>
+      <p:ext uri="{BB962C8B-B14F-4D97-AF65-F5344CB8AC3E}">
+        <p14:creationId xmlns:p14="http://schemas.microsoft.com/office/powerpoint/2010/main" val="912223143"/>
+      </p:ext>
+    </p:extLst>
+  </p:cSld>
+  <p:clrMapOvr>
+    <a:masterClrMapping/>
+  </p:clrMapOvr>
+  <p:timing>
+    <p:tnLst>
+      <p:par>
+        <p:cTn id="1" dur="indefinite" restart="never" nodeType="tmRoot"/>
+      </p:par>
+    </p:tnLst>
+  </p:timing>
+</p:sld>
+</file>
+
+<file path=ppt/slides/slide22.xml><?xml version="1.0" encoding="utf-8"?>
+<p:sld xmlns:a="http://schemas.openxmlformats.org/drawingml/2006/main" xmlns:r="http://schemas.openxmlformats.org/officeDocument/2006/relationships" xmlns:p="http://schemas.openxmlformats.org/presentationml/2006/main">
+  <p:cSld>
+    <p:spTree>
+      <p:nvGrpSpPr>
+        <p:cNvPr id="1" name=""/>
+        <p:cNvGrpSpPr/>
+        <p:nvPr/>
+      </p:nvGrpSpPr>
+      <p:grpSpPr>
+        <a:xfrm>
+          <a:off x="0" y="0"/>
+          <a:ext cx="0" cy="0"/>
+          <a:chOff x="0" y="0"/>
+          <a:chExt cx="0" cy="0"/>
+        </a:xfrm>
+      </p:grpSpPr>
+      <p:sp>
+        <p:nvSpPr>
+          <p:cNvPr id="2" name="内容占位符 1"/>
+          <p:cNvSpPr>
+            <a:spLocks noGrp="1"/>
+          </p:cNvSpPr>
+          <p:nvPr>
+            <p:ph idx="1"/>
+          </p:nvPr>
+        </p:nvSpPr>
+        <p:spPr/>
+        <p:txBody>
+          <a:bodyPr>
+            <a:normAutofit/>
+          </a:bodyPr>
+          <a:lstStyle/>
+          <a:p>
+            <a:r>
+              <a:rPr lang="en-US" dirty="0" smtClean="0"/>
+              <a:t>Automate bounding box </a:t>
+            </a:r>
+            <a:r>
+              <a:rPr lang="en-US" dirty="0" smtClean="0"/>
+              <a:t>selection with </a:t>
+            </a:r>
+            <a:r>
+              <a:rPr lang="en-US" dirty="0" smtClean="0"/>
+              <a:t>object </a:t>
             </a:r>
             <a:r>
               <a:rPr lang="en-US" dirty="0"/>
@@ -7067,11 +7170,7 @@
           <a:p>
             <a:r>
               <a:rPr lang="en-US" b="1" dirty="0" smtClean="0"/>
-              <a:t>P</a:t>
-            </a:r>
-            <a:r>
-              <a:rPr lang="en-US" b="1" dirty="0" smtClean="0"/>
-              <a:t>rototype 3.0</a:t>
+              <a:t>Prototype 3.0</a:t>
             </a:r>
             <a:endParaRPr lang="en-US" dirty="0"/>
           </a:p>
@@ -7100,7 +7199,7 @@
         </p:blipFill>
         <p:spPr bwMode="auto">
           <a:xfrm>
-            <a:off x="897282" y="2924944"/>
+            <a:off x="897282" y="3052911"/>
             <a:ext cx="7286625" cy="3400425"/>
           </a:xfrm>
           <a:prstGeom prst="rect">
@@ -7151,7 +7250,96 @@
 </p:sld>
 </file>
 
-<file path=ppt/slides/slide22.xml><?xml version="1.0" encoding="utf-8"?>
+<file path=ppt/slides/slide23.xml><?xml version="1.0" encoding="utf-8"?>
+<p:sld xmlns:a="http://schemas.openxmlformats.org/drawingml/2006/main" xmlns:r="http://schemas.openxmlformats.org/officeDocument/2006/relationships" xmlns:p="http://schemas.openxmlformats.org/presentationml/2006/main">
+  <p:cSld>
+    <p:spTree>
+      <p:nvGrpSpPr>
+        <p:cNvPr id="1" name=""/>
+        <p:cNvGrpSpPr/>
+        <p:nvPr/>
+      </p:nvGrpSpPr>
+      <p:grpSpPr>
+        <a:xfrm>
+          <a:off x="0" y="0"/>
+          <a:ext cx="0" cy="0"/>
+          <a:chOff x="0" y="0"/>
+          <a:chExt cx="0" cy="0"/>
+        </a:xfrm>
+      </p:grpSpPr>
+      <p:sp>
+        <p:nvSpPr>
+          <p:cNvPr id="2" name="内容占位符 1"/>
+          <p:cNvSpPr>
+            <a:spLocks noGrp="1"/>
+          </p:cNvSpPr>
+          <p:nvPr>
+            <p:ph idx="1"/>
+          </p:nvPr>
+        </p:nvSpPr>
+        <p:spPr/>
+        <p:txBody>
+          <a:bodyPr>
+            <a:normAutofit/>
+          </a:bodyPr>
+          <a:lstStyle/>
+          <a:p>
+            <a:r>
+              <a:rPr lang="en-US" dirty="0" smtClean="0"/>
+              <a:t>Use voice recognition to find object.</a:t>
+            </a:r>
+            <a:endParaRPr lang="en-US" dirty="0"/>
+          </a:p>
+        </p:txBody>
+      </p:sp>
+      <p:sp>
+        <p:nvSpPr>
+          <p:cNvPr id="3" name="标题 2"/>
+          <p:cNvSpPr>
+            <a:spLocks noGrp="1"/>
+          </p:cNvSpPr>
+          <p:nvPr>
+            <p:ph type="title"/>
+          </p:nvPr>
+        </p:nvSpPr>
+        <p:spPr/>
+        <p:txBody>
+          <a:bodyPr/>
+          <a:lstStyle/>
+          <a:p>
+            <a:r>
+              <a:rPr lang="en-US" b="1" dirty="0" smtClean="0"/>
+              <a:t>Prototype </a:t>
+            </a:r>
+            <a:r>
+              <a:rPr lang="en-US" b="1" dirty="0" smtClean="0"/>
+              <a:t>3.1</a:t>
+            </a:r>
+            <a:endParaRPr lang="en-US" dirty="0"/>
+          </a:p>
+        </p:txBody>
+      </p:sp>
+    </p:spTree>
+    <p:extLst>
+      <p:ext uri="{BB962C8B-B14F-4D97-AF65-F5344CB8AC3E}">
+        <p14:creationId xmlns:p14="http://schemas.microsoft.com/office/powerpoint/2010/main" val="3431049794"/>
+      </p:ext>
+    </p:extLst>
+  </p:cSld>
+  <p:clrMapOvr>
+    <a:masterClrMapping/>
+  </p:clrMapOvr>
+  <p:timing>
+    <p:tnLst>
+      <p:par>
+        <p:cTn id="1" dur="indefinite" restart="never" nodeType="tmRoot"/>
+      </p:par>
+    </p:tnLst>
+  </p:timing>
+</p:sld>
+</file>
+
+<file path=ppt/slides/slide24.xml><?xml version="1.0" encoding="utf-8"?>
 <p:sld xmlns:a="http://schemas.openxmlformats.org/drawingml/2006/main" xmlns:r="http://schemas.openxmlformats.org/officeDocument/2006/relationships" xmlns:p="http://schemas.openxmlformats.org/presentationml/2006/main">
   <p:cSld>
     <p:spTree>
@@ -7236,7 +7424,7 @@
 </p:sld>
 </file>
 
-<file path=ppt/slides/slide23.xml><?xml version="1.0" encoding="utf-8"?>
+<file path=ppt/slides/slide25.xml><?xml version="1.0" encoding="utf-8"?>
 <p:sld xmlns:a="http://schemas.openxmlformats.org/drawingml/2006/main" xmlns:r="http://schemas.openxmlformats.org/officeDocument/2006/relationships" xmlns:p="http://schemas.openxmlformats.org/presentationml/2006/main">
   <p:cSld>
     <p:spTree>
@@ -7268,7 +7456,7 @@
           <a:bodyPr/>
           <a:lstStyle/>
           <a:p>
-            <a:endParaRPr lang="en-US"/>
+            <a:endParaRPr lang="en-US" dirty="0"/>
           </a:p>
         </p:txBody>
       </p:sp>
@@ -7287,7 +7475,11 @@
           <a:bodyPr/>
           <a:lstStyle/>
           <a:p>
-            <a:endParaRPr lang="en-US"/>
+            <a:r>
+              <a:rPr lang="en-US" dirty="0" smtClean="0"/>
+              <a:t>Live Demo</a:t>
+            </a:r>
+            <a:endParaRPr lang="en-US" dirty="0"/>
           </a:p>
         </p:txBody>
       </p:sp>
@@ -7295,6 +7487,89 @@
     <p:extLst>
       <p:ext uri="{BB962C8B-B14F-4D97-AF65-F5344CB8AC3E}">
         <p14:creationId xmlns:p14="http://schemas.microsoft.com/office/powerpoint/2010/main" val="4104815046"/>
+      </p:ext>
+    </p:extLst>
+  </p:cSld>
+  <p:clrMapOvr>
+    <a:masterClrMapping/>
+  </p:clrMapOvr>
+  <p:timing>
+    <p:tnLst>
+      <p:par>
+        <p:cTn id="1" dur="indefinite" restart="never" nodeType="tmRoot"/>
+      </p:par>
+    </p:tnLst>
+  </p:timing>
+</p:sld>
+</file>
+
+<file path=ppt/slides/slide26.xml><?xml version="1.0" encoding="utf-8"?>
+<p:sld xmlns:a="http://schemas.openxmlformats.org/drawingml/2006/main" xmlns:r="http://schemas.openxmlformats.org/officeDocument/2006/relationships" xmlns:p="http://schemas.openxmlformats.org/presentationml/2006/main">
+  <p:cSld>
+    <p:spTree>
+      <p:nvGrpSpPr>
+        <p:cNvPr id="1" name=""/>
+        <p:cNvGrpSpPr/>
+        <p:nvPr/>
+      </p:nvGrpSpPr>
+      <p:grpSpPr>
+        <a:xfrm>
+          <a:off x="0" y="0"/>
+          <a:ext cx="0" cy="0"/>
+          <a:chOff x="0" y="0"/>
+          <a:chExt cx="0" cy="0"/>
+        </a:xfrm>
+      </p:grpSpPr>
+      <p:sp>
+        <p:nvSpPr>
+          <p:cNvPr id="2" name="内容占位符 1"/>
+          <p:cNvSpPr>
+            <a:spLocks noGrp="1"/>
+          </p:cNvSpPr>
+          <p:nvPr>
+            <p:ph idx="1"/>
+          </p:nvPr>
+        </p:nvSpPr>
+        <p:spPr/>
+        <p:txBody>
+          <a:bodyPr/>
+          <a:lstStyle/>
+          <a:p>
+            <a:r>
+              <a:rPr lang="en-US" dirty="0" smtClean="0"/>
+              <a:t>Thank you!</a:t>
+            </a:r>
+            <a:endParaRPr lang="en-US" dirty="0"/>
+          </a:p>
+        </p:txBody>
+      </p:sp>
+      <p:sp>
+        <p:nvSpPr>
+          <p:cNvPr id="3" name="标题 2"/>
+          <p:cNvSpPr>
+            <a:spLocks noGrp="1"/>
+          </p:cNvSpPr>
+          <p:nvPr>
+            <p:ph type="title"/>
+          </p:nvPr>
+        </p:nvSpPr>
+        <p:spPr/>
+        <p:txBody>
+          <a:bodyPr/>
+          <a:lstStyle/>
+          <a:p>
+            <a:r>
+              <a:rPr lang="en-US" dirty="0" smtClean="0"/>
+              <a:t>Q&amp;A</a:t>
+            </a:r>
+            <a:endParaRPr lang="en-US" dirty="0"/>
+          </a:p>
+        </p:txBody>
+      </p:sp>
+    </p:spTree>
+    <p:extLst>
+      <p:ext uri="{BB962C8B-B14F-4D97-AF65-F5344CB8AC3E}">
+        <p14:creationId xmlns:p14="http://schemas.microsoft.com/office/powerpoint/2010/main" val="255807396"/>
       </p:ext>
     </p:extLst>
   </p:cSld>
@@ -7494,25 +7769,6 @@
       </p:grpSpPr>
       <p:sp>
         <p:nvSpPr>
-          <p:cNvPr id="2" name="内容占位符 1"/>
-          <p:cNvSpPr>
-            <a:spLocks noGrp="1"/>
-          </p:cNvSpPr>
-          <p:nvPr>
-            <p:ph idx="1"/>
-          </p:nvPr>
-        </p:nvSpPr>
-        <p:spPr/>
-        <p:txBody>
-          <a:bodyPr/>
-          <a:lstStyle/>
-          <a:p>
-            <a:endParaRPr lang="en-US" dirty="0"/>
-          </a:p>
-        </p:txBody>
-      </p:sp>
-      <p:sp>
-        <p:nvSpPr>
           <p:cNvPr id="3" name="标题 2"/>
           <p:cNvSpPr>
             <a:spLocks noGrp="1"/>
@@ -7539,6 +7795,48 @@
               <a:t> fashion?</a:t>
             </a:r>
             <a:endParaRPr lang="en-US" sz="4800" dirty="0"/>
+          </a:p>
+        </p:txBody>
+      </p:sp>
+      <p:sp>
+        <p:nvSpPr>
+          <p:cNvPr id="4" name="Content Placeholder 3"/>
+          <p:cNvSpPr>
+            <a:spLocks noGrp="1"/>
+          </p:cNvSpPr>
+          <p:nvPr>
+            <p:ph sz="quarter" idx="13"/>
+          </p:nvPr>
+        </p:nvSpPr>
+        <p:spPr/>
+        <p:txBody>
+          <a:bodyPr/>
+          <a:lstStyle/>
+          <a:p>
+            <a:r>
+              <a:rPr lang="en-US" dirty="0" smtClean="0"/>
+              <a:t>Binds background into your search.</a:t>
+            </a:r>
+            <a:endParaRPr lang="en-US" dirty="0"/>
+          </a:p>
+        </p:txBody>
+      </p:sp>
+      <p:sp>
+        <p:nvSpPr>
+          <p:cNvPr id="5" name="Content Placeholder 4"/>
+          <p:cNvSpPr>
+            <a:spLocks noGrp="1"/>
+          </p:cNvSpPr>
+          <p:nvPr>
+            <p:ph sz="quarter" idx="14"/>
+          </p:nvPr>
+        </p:nvSpPr>
+        <p:spPr/>
+        <p:txBody>
+          <a:bodyPr/>
+          <a:lstStyle/>
+          <a:p>
+            <a:endParaRPr lang="en-US"/>
           </a:p>
         </p:txBody>
       </p:sp>
@@ -7565,7 +7863,7 @@
         </p:blipFill>
         <p:spPr bwMode="auto">
           <a:xfrm>
-            <a:off x="3203848" y="2132856"/>
+            <a:off x="5292080" y="1916832"/>
             <a:ext cx="2607162" cy="4627712"/>
           </a:xfrm>
           <a:prstGeom prst="rect">
@@ -7643,6 +7941,25 @@
           </a:p>
         </p:txBody>
       </p:sp>
+      <p:sp>
+        <p:nvSpPr>
+          <p:cNvPr id="2" name="Text Placeholder 1"/>
+          <p:cNvSpPr>
+            <a:spLocks noGrp="1"/>
+          </p:cNvSpPr>
+          <p:nvPr>
+            <p:ph type="body" idx="1"/>
+          </p:nvPr>
+        </p:nvSpPr>
+        <p:spPr/>
+        <p:txBody>
+          <a:bodyPr/>
+          <a:lstStyle/>
+          <a:p>
+            <a:endParaRPr lang="en-US"/>
+          </a:p>
+        </p:txBody>
+      </p:sp>
     </p:spTree>
     <p:extLst>
       <p:ext uri="{BB962C8B-B14F-4D97-AF65-F5344CB8AC3E}">
@@ -7695,7 +8012,11 @@
           <a:bodyPr/>
           <a:lstStyle/>
           <a:p>
-            <a:endParaRPr lang="en-US"/>
+            <a:r>
+              <a:rPr lang="en-US" dirty="0" smtClean="0"/>
+              <a:t>51 Responses</a:t>
+            </a:r>
+            <a:endParaRPr lang="en-US" dirty="0"/>
           </a:p>
         </p:txBody>
       </p:sp>
@@ -7716,44 +8037,16 @@
           <a:p>
             <a:r>
               <a:rPr lang="en-US" sz="2800" b="1" dirty="0" smtClean="0"/>
-              <a:t>When </a:t>
-            </a:r>
-            <a:r>
-              <a:rPr lang="en-US" sz="2800" b="1" dirty="0"/>
-              <a:t>browsing a site, do you look for clothing products based on which method? </a:t>
+              <a:t>Survey Summary</a:t>
             </a:r>
             <a:endParaRPr lang="en-US" sz="2800" dirty="0"/>
           </a:p>
         </p:txBody>
       </p:sp>
-      <p:graphicFrame>
-        <p:nvGraphicFramePr>
-          <p:cNvPr id="4" name="图表 3"/>
-          <p:cNvGraphicFramePr>
-            <a:graphicFrameLocks/>
-          </p:cNvGraphicFramePr>
-          <p:nvPr>
-            <p:extLst>
-              <p:ext uri="{D42A27DB-BD31-4B8C-83A1-F6EECF244321}">
-                <p14:modId xmlns:p14="http://schemas.microsoft.com/office/powerpoint/2010/main" val="718944394"/>
-              </p:ext>
-            </p:extLst>
-          </p:nvPr>
-        </p:nvGraphicFramePr>
-        <p:xfrm>
-          <a:off x="755576" y="2204864"/>
-          <a:ext cx="7744197" cy="4356920"/>
-        </p:xfrm>
-        <a:graphic>
-          <a:graphicData uri="http://schemas.openxmlformats.org/drawingml/2006/chart">
-            <c:chart xmlns:c="http://schemas.openxmlformats.org/drawingml/2006/chart" xmlns:r="http://schemas.openxmlformats.org/officeDocument/2006/relationships" r:id="rId2"/>
-          </a:graphicData>
-        </a:graphic>
-      </p:graphicFrame>
     </p:spTree>
     <p:extLst>
       <p:ext uri="{BB962C8B-B14F-4D97-AF65-F5344CB8AC3E}">
-        <p14:creationId xmlns:p14="http://schemas.microsoft.com/office/powerpoint/2010/main" val="3949409615"/>
+        <p14:creationId xmlns:p14="http://schemas.microsoft.com/office/powerpoint/2010/main" val="4200277924"/>
       </p:ext>
     </p:extLst>
   </p:cSld>
@@ -7789,12 +8082,12 @@
       </p:grpSpPr>
       <p:sp>
         <p:nvSpPr>
-          <p:cNvPr id="2" name="内容占位符 1"/>
-          <p:cNvSpPr>
-            <a:spLocks noGrp="1"/>
-          </p:cNvSpPr>
-          <p:nvPr>
-            <p:ph idx="1"/>
+          <p:cNvPr id="3" name="标题 2"/>
+          <p:cNvSpPr>
+            <a:spLocks noGrp="1"/>
+          </p:cNvSpPr>
+          <p:nvPr>
+            <p:ph type="title"/>
           </p:nvPr>
         </p:nvSpPr>
         <p:spPr/>
@@ -7802,28 +8095,13 @@
           <a:bodyPr/>
           <a:lstStyle/>
           <a:p>
-            <a:endParaRPr lang="en-US"/>
-          </a:p>
-        </p:txBody>
-      </p:sp>
-      <p:sp>
-        <p:nvSpPr>
-          <p:cNvPr id="3" name="标题 2"/>
-          <p:cNvSpPr>
-            <a:spLocks noGrp="1"/>
-          </p:cNvSpPr>
-          <p:nvPr>
-            <p:ph type="title"/>
-          </p:nvPr>
-        </p:nvSpPr>
-        <p:spPr/>
-        <p:txBody>
-          <a:bodyPr/>
-          <a:lstStyle/>
-          <a:p>
+            <a:r>
+              <a:rPr lang="en-US" sz="2800" b="1" dirty="0" smtClean="0"/>
+              <a:t>When </a:t>
+            </a:r>
             <a:r>
               <a:rPr lang="en-US" sz="2800" b="1" dirty="0"/>
-              <a:t>When using a search bar, do you find it difficult to search for the item you want? </a:t>
+              <a:t>browsing a site, do you look for clothing products based on which method? </a:t>
             </a:r>
             <a:endParaRPr lang="en-US" sz="2800" dirty="0"/>
           </a:p>
@@ -7838,14 +8116,14 @@
           <p:nvPr>
             <p:extLst>
               <p:ext uri="{D42A27DB-BD31-4B8C-83A1-F6EECF244321}">
-                <p14:modId xmlns:p14="http://schemas.microsoft.com/office/powerpoint/2010/main" val="2465855274"/>
+                <p14:modId xmlns:p14="http://schemas.microsoft.com/office/powerpoint/2010/main" val="329618474"/>
               </p:ext>
             </p:extLst>
           </p:nvPr>
         </p:nvGraphicFramePr>
         <p:xfrm>
-          <a:off x="1547664" y="2060848"/>
-          <a:ext cx="6102424" cy="4539952"/>
+          <a:off x="683568" y="2276872"/>
+          <a:ext cx="7744197" cy="4356920"/>
         </p:xfrm>
         <a:graphic>
           <a:graphicData uri="http://schemas.openxmlformats.org/drawingml/2006/chart">
@@ -7856,7 +8134,7 @@
     </p:spTree>
     <p:extLst>
       <p:ext uri="{BB962C8B-B14F-4D97-AF65-F5344CB8AC3E}">
-        <p14:creationId xmlns:p14="http://schemas.microsoft.com/office/powerpoint/2010/main" val="4200277924"/>
+        <p14:creationId xmlns:p14="http://schemas.microsoft.com/office/powerpoint/2010/main" val="341330821"/>
       </p:ext>
     </p:extLst>
   </p:cSld>
@@ -7925,30 +8203,30 @@
           <a:lstStyle/>
           <a:p>
             <a:r>
-              <a:rPr lang="en-US" sz="3200" b="1" dirty="0" smtClean="0"/>
-              <a:t>For the people answered “Yes”, we asked them to specify the problem</a:t>
-            </a:r>
-            <a:endParaRPr lang="en-US" sz="3200" dirty="0"/>
+              <a:rPr lang="en-US" sz="2800" b="1" dirty="0"/>
+              <a:t>When using a search bar, do you find it difficult to search for the item you want? </a:t>
+            </a:r>
+            <a:endParaRPr lang="en-US" sz="2800" dirty="0"/>
           </a:p>
         </p:txBody>
       </p:sp>
       <p:graphicFrame>
         <p:nvGraphicFramePr>
-          <p:cNvPr id="5" name="图表 4"/>
+          <p:cNvPr id="4" name="图表 3"/>
           <p:cNvGraphicFramePr>
             <a:graphicFrameLocks/>
           </p:cNvGraphicFramePr>
           <p:nvPr>
             <p:extLst>
               <p:ext uri="{D42A27DB-BD31-4B8C-83A1-F6EECF244321}">
-                <p14:modId xmlns:p14="http://schemas.microsoft.com/office/powerpoint/2010/main" val="122187594"/>
+                <p14:modId xmlns:p14="http://schemas.microsoft.com/office/powerpoint/2010/main" val="1214994786"/>
               </p:ext>
             </p:extLst>
           </p:nvPr>
         </p:nvGraphicFramePr>
         <p:xfrm>
-          <a:off x="755576" y="1754981"/>
-          <a:ext cx="7762875" cy="5103019"/>
+          <a:off x="1547664" y="2060848"/>
+          <a:ext cx="6102424" cy="4539952"/>
         </p:xfrm>
         <a:graphic>
           <a:graphicData uri="http://schemas.openxmlformats.org/drawingml/2006/chart">
@@ -7959,7 +8237,7 @@
     </p:spTree>
     <p:extLst>
       <p:ext uri="{BB962C8B-B14F-4D97-AF65-F5344CB8AC3E}">
-        <p14:creationId xmlns:p14="http://schemas.microsoft.com/office/powerpoint/2010/main" val="2571528927"/>
+        <p14:creationId xmlns:p14="http://schemas.microsoft.com/office/powerpoint/2010/main" val="1327842369"/>
       </p:ext>
     </p:extLst>
   </p:cSld>
@@ -8028,34 +8306,30 @@
           <a:lstStyle/>
           <a:p>
             <a:r>
-              <a:rPr lang="en-US" sz="4000" b="1" dirty="0" smtClean="0"/>
-              <a:t>Do </a:t>
-            </a:r>
-            <a:r>
-              <a:rPr lang="en-US" sz="4000" b="1" dirty="0"/>
-              <a:t>you prefer searching for clothing products via images? </a:t>
-            </a:r>
-            <a:endParaRPr lang="en-US" sz="4000" dirty="0"/>
+              <a:rPr lang="en-US" sz="3200" b="1" dirty="0" smtClean="0"/>
+              <a:t>For the people answered “Yes”, we asked them to specify the problem</a:t>
+            </a:r>
+            <a:endParaRPr lang="en-US" sz="3200" dirty="0"/>
           </a:p>
         </p:txBody>
       </p:sp>
       <p:graphicFrame>
         <p:nvGraphicFramePr>
-          <p:cNvPr id="4" name="图表 3"/>
+          <p:cNvPr id="5" name="图表 4"/>
           <p:cNvGraphicFramePr>
             <a:graphicFrameLocks/>
           </p:cNvGraphicFramePr>
           <p:nvPr>
             <p:extLst>
               <p:ext uri="{D42A27DB-BD31-4B8C-83A1-F6EECF244321}">
-                <p14:modId xmlns:p14="http://schemas.microsoft.com/office/powerpoint/2010/main" val="1967198195"/>
+                <p14:modId xmlns:p14="http://schemas.microsoft.com/office/powerpoint/2010/main" val="122187594"/>
               </p:ext>
             </p:extLst>
           </p:nvPr>
         </p:nvGraphicFramePr>
         <p:xfrm>
-          <a:off x="1475656" y="2204864"/>
-          <a:ext cx="6462464" cy="4323928"/>
+          <a:off x="755576" y="1754981"/>
+          <a:ext cx="7762875" cy="5103019"/>
         </p:xfrm>
         <a:graphic>
           <a:graphicData uri="http://schemas.openxmlformats.org/drawingml/2006/chart">
@@ -8066,7 +8340,7 @@
     </p:spTree>
     <p:extLst>
       <p:ext uri="{BB962C8B-B14F-4D97-AF65-F5344CB8AC3E}">
-        <p14:creationId xmlns:p14="http://schemas.microsoft.com/office/powerpoint/2010/main" val="632313714"/>
+        <p14:creationId xmlns:p14="http://schemas.microsoft.com/office/powerpoint/2010/main" val="2571528927"/>
       </p:ext>
     </p:extLst>
   </p:cSld>
